--- a/PROYECTO1_v2.pptx
+++ b/PROYECTO1_v2.pptx
@@ -134,7 +134,7 @@
 <file path=ppt/revisionInfo.xml><?xml version="1.0" encoding="utf-8"?>
 <p1510:revInfo xmlns:a="http://schemas.openxmlformats.org/drawingml/2006/main" xmlns:r="http://schemas.openxmlformats.org/officeDocument/2006/relationships" xmlns:p1510="http://schemas.microsoft.com/office/powerpoint/2015/10/main">
   <p1510:revLst>
-    <p1510:client id="{2F1F0C4D-A517-231C-2498-A1670586A4F0}" v="1853" dt="2021-02-12T14:29:08.754"/>
+    <p1510:client id="{2F1F0C4D-A517-231C-2498-A1670586A4F0}" v="1859" dt="2021-02-12T14:52:54.743"/>
   </p1510:revLst>
 </p1510:revInfo>
 </file>
@@ -20012,35 +20012,6 @@
           <a:chExt cx="0" cy="0"/>
         </a:xfrm>
       </p:grpSpPr>
-      <p:pic>
-        <p:nvPicPr>
-          <p:cNvPr id="5" name="Marcador de contenido 4">
-            <a:extLst>
-              <a:ext uri="{FF2B5EF4-FFF2-40B4-BE49-F238E27FC236}">
-                <a16:creationId xmlns:a16="http://schemas.microsoft.com/office/drawing/2014/main" id="{670AB66C-B85E-491A-B37A-5CE6A45BD891}"/>
-              </a:ext>
-            </a:extLst>
-          </p:cNvPr>
-          <p:cNvPicPr>
-            <a:picLocks noGrp="1" noChangeAspect="1"/>
-          </p:cNvPicPr>
-          <p:nvPr>
-            <p:ph idx="1"/>
-          </p:nvPr>
-        </p:nvPicPr>
-        <p:blipFill>
-          <a:blip r:embed="rId2"/>
-          <a:stretch>
-            <a:fillRect/>
-          </a:stretch>
-        </p:blipFill>
-        <p:spPr>
-          <a:xfrm>
-            <a:off x="2919002" y="1634070"/>
-            <a:ext cx="5896798" cy="3743847"/>
-          </a:xfrm>
-        </p:spPr>
-      </p:pic>
       <p:sp>
         <p:nvSpPr>
           <p:cNvPr id="6" name="Título 1">
@@ -20143,6 +20114,36 @@
           </a:p>
         </p:txBody>
       </p:sp>
+      <p:pic>
+        <p:nvPicPr>
+          <p:cNvPr id="2" name="Imagen 2" descr="Gráfico, Gráfico de barras, Histograma&#10;&#10;Descripción generada automáticamente">
+            <a:extLst>
+              <a:ext uri="{FF2B5EF4-FFF2-40B4-BE49-F238E27FC236}">
+                <a16:creationId xmlns:a16="http://schemas.microsoft.com/office/drawing/2014/main" id="{51A653AF-E9F2-4657-B83E-29926A78DB2B}"/>
+              </a:ext>
+            </a:extLst>
+          </p:cNvPr>
+          <p:cNvPicPr>
+            <a:picLocks noChangeAspect="1"/>
+          </p:cNvPicPr>
+          <p:nvPr/>
+        </p:nvPicPr>
+        <p:blipFill>
+          <a:blip r:embed="rId2"/>
+          <a:stretch>
+            <a:fillRect/>
+          </a:stretch>
+        </p:blipFill>
+        <p:spPr>
+          <a:xfrm>
+            <a:off x="3085578" y="1749404"/>
+            <a:ext cx="5832953" cy="3766289"/>
+          </a:xfrm>
+          <a:prstGeom prst="rect">
+            <a:avLst/>
+          </a:prstGeom>
+        </p:spPr>
+      </p:pic>
     </p:spTree>
     <p:extLst>
       <p:ext uri="{BB962C8B-B14F-4D97-AF65-F5344CB8AC3E}">

--- a/PROYECTO1_v2.pptx
+++ b/PROYECTO1_v2.pptx
@@ -6,25 +6,26 @@
   </p:sldMasterIdLst>
   <p:sldIdLst>
     <p:sldId id="271" r:id="rId2"/>
-    <p:sldId id="272" r:id="rId3"/>
-    <p:sldId id="292" r:id="rId4"/>
-    <p:sldId id="273" r:id="rId5"/>
-    <p:sldId id="274" r:id="rId6"/>
-    <p:sldId id="275" r:id="rId7"/>
-    <p:sldId id="276" r:id="rId8"/>
-    <p:sldId id="277" r:id="rId9"/>
-    <p:sldId id="278" r:id="rId10"/>
-    <p:sldId id="279" r:id="rId11"/>
-    <p:sldId id="281" r:id="rId12"/>
-    <p:sldId id="282" r:id="rId13"/>
-    <p:sldId id="284" r:id="rId14"/>
-    <p:sldId id="283" r:id="rId15"/>
-    <p:sldId id="285" r:id="rId16"/>
-    <p:sldId id="293" r:id="rId17"/>
-    <p:sldId id="286" r:id="rId18"/>
-    <p:sldId id="287" r:id="rId19"/>
-    <p:sldId id="289" r:id="rId20"/>
-    <p:sldId id="294" r:id="rId21"/>
+    <p:sldId id="295" r:id="rId3"/>
+    <p:sldId id="272" r:id="rId4"/>
+    <p:sldId id="292" r:id="rId5"/>
+    <p:sldId id="273" r:id="rId6"/>
+    <p:sldId id="274" r:id="rId7"/>
+    <p:sldId id="275" r:id="rId8"/>
+    <p:sldId id="276" r:id="rId9"/>
+    <p:sldId id="277" r:id="rId10"/>
+    <p:sldId id="278" r:id="rId11"/>
+    <p:sldId id="279" r:id="rId12"/>
+    <p:sldId id="281" r:id="rId13"/>
+    <p:sldId id="282" r:id="rId14"/>
+    <p:sldId id="284" r:id="rId15"/>
+    <p:sldId id="283" r:id="rId16"/>
+    <p:sldId id="285" r:id="rId17"/>
+    <p:sldId id="293" r:id="rId18"/>
+    <p:sldId id="286" r:id="rId19"/>
+    <p:sldId id="287" r:id="rId20"/>
+    <p:sldId id="289" r:id="rId21"/>
+    <p:sldId id="294" r:id="rId22"/>
   </p:sldIdLst>
   <p:sldSz cx="12192000" cy="6858000"/>
   <p:notesSz cx="6858000" cy="9144000"/>
@@ -134,7 +135,7 @@
 <file path=ppt/revisionInfo.xml><?xml version="1.0" encoding="utf-8"?>
 <p1510:revInfo xmlns:a="http://schemas.openxmlformats.org/drawingml/2006/main" xmlns:r="http://schemas.openxmlformats.org/officeDocument/2006/relationships" xmlns:p1510="http://schemas.microsoft.com/office/powerpoint/2015/10/main">
   <p1510:revLst>
-    <p1510:client id="{2F1F0C4D-A517-231C-2498-A1670586A4F0}" v="1859" dt="2021-02-12T14:52:54.743"/>
+    <p1510:client id="{2F1F0C4D-A517-231C-2498-A1670586A4F0}" v="2063" dt="2021-02-12T15:38:12.502"/>
   </p1510:revLst>
 </p1510:revInfo>
 </file>
@@ -6793,7 +6794,7 @@
           <p:cNvPr id="5" name="Marcador de contenido 4">
             <a:extLst>
               <a:ext uri="{FF2B5EF4-FFF2-40B4-BE49-F238E27FC236}">
-                <a16:creationId xmlns:a16="http://schemas.microsoft.com/office/drawing/2014/main" id="{65D2103C-E6E5-456B-853C-42715BCA87CB}"/>
+                <a16:creationId xmlns:a16="http://schemas.microsoft.com/office/drawing/2014/main" id="{53DD9DCA-5468-4D24-9988-F452C1B8DF1E}"/>
               </a:ext>
             </a:extLst>
           </p:cNvPr>
@@ -6812,8 +6813,8 @@
         </p:blipFill>
         <p:spPr>
           <a:xfrm>
-            <a:off x="3023759" y="1418326"/>
-            <a:ext cx="6144482" cy="3982006"/>
+            <a:off x="2029800" y="1253331"/>
+            <a:ext cx="6513149" cy="4351338"/>
           </a:xfrm>
         </p:spPr>
       </p:pic>
@@ -6822,7 +6823,7 @@
           <p:cNvPr id="6" name="Título 1">
             <a:extLst>
               <a:ext uri="{FF2B5EF4-FFF2-40B4-BE49-F238E27FC236}">
-                <a16:creationId xmlns:a16="http://schemas.microsoft.com/office/drawing/2014/main" id="{2391D00E-57CC-42CD-9F77-7111412561EF}"/>
+                <a16:creationId xmlns:a16="http://schemas.microsoft.com/office/drawing/2014/main" id="{E62A237C-AB68-4F86-8395-E8A578F24319}"/>
               </a:ext>
             </a:extLst>
           </p:cNvPr>
@@ -6878,6 +6879,167 @@
             </a:r>
             <a:r>
               <a:rPr lang="es-ES" dirty="0" err="1"/>
+              <a:t>brand</a:t>
+            </a:r>
+            <a:endParaRPr lang="es-ES" dirty="0"/>
+          </a:p>
+        </p:txBody>
+      </p:sp>
+      <p:sp>
+        <p:nvSpPr>
+          <p:cNvPr id="7" name="CuadroTexto 6">
+            <a:extLst>
+              <a:ext uri="{FF2B5EF4-FFF2-40B4-BE49-F238E27FC236}">
+                <a16:creationId xmlns:a16="http://schemas.microsoft.com/office/drawing/2014/main" id="{0AE6B44F-E4BB-4C18-9BA1-1B866C2A760A}"/>
+              </a:ext>
+            </a:extLst>
+          </p:cNvPr>
+          <p:cNvSpPr txBox="1"/>
+          <p:nvPr/>
+        </p:nvSpPr>
+        <p:spPr>
+          <a:xfrm>
+            <a:off x="557719" y="5793686"/>
+            <a:ext cx="10619363" cy="461665"/>
+          </a:xfrm>
+          <a:prstGeom prst="rect">
+            <a:avLst/>
+          </a:prstGeom>
+          <a:noFill/>
+        </p:spPr>
+        <p:txBody>
+          <a:bodyPr wrap="square">
+            <a:spAutoFit/>
+          </a:bodyPr>
+          <a:lstStyle/>
+          <a:p>
+            <a:r>
+              <a:rPr lang="es-ES" sz="2400" dirty="0"/>
+              <a:t>La marca del vehículo influye en el precio: Audi, BMW y Mercedes son las más caras</a:t>
+            </a:r>
+          </a:p>
+        </p:txBody>
+      </p:sp>
+    </p:spTree>
+    <p:extLst>
+      <p:ext uri="{BB962C8B-B14F-4D97-AF65-F5344CB8AC3E}">
+        <p14:creationId xmlns:p14="http://schemas.microsoft.com/office/powerpoint/2010/main" val="1980503787"/>
+      </p:ext>
+    </p:extLst>
+  </p:cSld>
+  <p:clrMapOvr>
+    <a:masterClrMapping/>
+  </p:clrMapOvr>
+</p:sld>
+</file>
+
+<file path=ppt/slides/slide11.xml><?xml version="1.0" encoding="utf-8"?>
+<p:sld xmlns:a="http://schemas.openxmlformats.org/drawingml/2006/main" xmlns:r="http://schemas.openxmlformats.org/officeDocument/2006/relationships" xmlns:p="http://schemas.openxmlformats.org/presentationml/2006/main">
+  <p:cSld>
+    <p:spTree>
+      <p:nvGrpSpPr>
+        <p:cNvPr id="1" name=""/>
+        <p:cNvGrpSpPr/>
+        <p:nvPr/>
+      </p:nvGrpSpPr>
+      <p:grpSpPr>
+        <a:xfrm>
+          <a:off x="0" y="0"/>
+          <a:ext cx="0" cy="0"/>
+          <a:chOff x="0" y="0"/>
+          <a:chExt cx="0" cy="0"/>
+        </a:xfrm>
+      </p:grpSpPr>
+      <p:pic>
+        <p:nvPicPr>
+          <p:cNvPr id="5" name="Marcador de contenido 4">
+            <a:extLst>
+              <a:ext uri="{FF2B5EF4-FFF2-40B4-BE49-F238E27FC236}">
+                <a16:creationId xmlns:a16="http://schemas.microsoft.com/office/drawing/2014/main" id="{65D2103C-E6E5-456B-853C-42715BCA87CB}"/>
+              </a:ext>
+            </a:extLst>
+          </p:cNvPr>
+          <p:cNvPicPr>
+            <a:picLocks noGrp="1" noChangeAspect="1"/>
+          </p:cNvPicPr>
+          <p:nvPr>
+            <p:ph idx="1"/>
+          </p:nvPr>
+        </p:nvPicPr>
+        <p:blipFill>
+          <a:blip r:embed="rId2"/>
+          <a:stretch>
+            <a:fillRect/>
+          </a:stretch>
+        </p:blipFill>
+        <p:spPr>
+          <a:xfrm>
+            <a:off x="3023759" y="1418326"/>
+            <a:ext cx="6144482" cy="3982006"/>
+          </a:xfrm>
+        </p:spPr>
+      </p:pic>
+      <p:sp>
+        <p:nvSpPr>
+          <p:cNvPr id="6" name="Título 1">
+            <a:extLst>
+              <a:ext uri="{FF2B5EF4-FFF2-40B4-BE49-F238E27FC236}">
+                <a16:creationId xmlns:a16="http://schemas.microsoft.com/office/drawing/2014/main" id="{2391D00E-57CC-42CD-9F77-7111412561EF}"/>
+              </a:ext>
+            </a:extLst>
+          </p:cNvPr>
+          <p:cNvSpPr txBox="1">
+            <a:spLocks/>
+          </p:cNvSpPr>
+          <p:nvPr/>
+        </p:nvSpPr>
+        <p:spPr>
+          <a:xfrm>
+            <a:off x="609601" y="92763"/>
+            <a:ext cx="10515600" cy="1325563"/>
+          </a:xfrm>
+          <a:prstGeom prst="rect">
+            <a:avLst/>
+          </a:prstGeom>
+        </p:spPr>
+        <p:txBody>
+          <a:bodyPr vert="horz" lIns="91440" tIns="45720" rIns="91440" bIns="45720" rtlCol="0" anchor="ctr">
+            <a:normAutofit/>
+          </a:bodyPr>
+          <a:lstStyle>
+            <a:lvl1pPr algn="l" defTabSz="914400" rtl="0" eaLnBrk="1" latinLnBrk="0" hangingPunct="1">
+              <a:lnSpc>
+                <a:spcPct val="90000"/>
+              </a:lnSpc>
+              <a:spcBef>
+                <a:spcPct val="0"/>
+              </a:spcBef>
+              <a:buNone/>
+              <a:defRPr sz="4400" kern="1200">
+                <a:solidFill>
+                  <a:schemeClr val="tx1"/>
+                </a:solidFill>
+                <a:latin typeface="+mj-lt"/>
+                <a:ea typeface="+mj-ea"/>
+                <a:cs typeface="+mj-cs"/>
+              </a:defRPr>
+            </a:lvl1pPr>
+          </a:lstStyle>
+          <a:p>
+            <a:r>
+              <a:rPr lang="es-ES" dirty="0"/>
+              <a:t>Comparación </a:t>
+            </a:r>
+            <a:r>
+              <a:rPr lang="es-ES" dirty="0" err="1"/>
+              <a:t>price</a:t>
+            </a:r>
+            <a:r>
+              <a:rPr lang="es-ES" dirty="0"/>
+              <a:t> - </a:t>
+            </a:r>
+            <a:r>
+              <a:rPr lang="es-ES" dirty="0" err="1"/>
               <a:t>engineSize</a:t>
             </a:r>
             <a:endParaRPr lang="es-ES" dirty="0"/>
@@ -6932,7 +7094,7 @@
 </p:sld>
 </file>
 
-<file path=ppt/slides/slide11.xml><?xml version="1.0" encoding="utf-8"?>
+<file path=ppt/slides/slide12.xml><?xml version="1.0" encoding="utf-8"?>
 <p:sld xmlns:a="http://schemas.openxmlformats.org/drawingml/2006/main" xmlns:r="http://schemas.openxmlformats.org/officeDocument/2006/relationships" xmlns:p="http://schemas.openxmlformats.org/presentationml/2006/main">
   <p:cSld>
     <p:spTree>
@@ -7871,7 +8033,7 @@
 </p:sld>
 </file>
 
-<file path=ppt/slides/slide12.xml><?xml version="1.0" encoding="utf-8"?>
+<file path=ppt/slides/slide13.xml><?xml version="1.0" encoding="utf-8"?>
 <p:sld xmlns:a="http://schemas.openxmlformats.org/drawingml/2006/main" xmlns:r="http://schemas.openxmlformats.org/officeDocument/2006/relationships" xmlns:p="http://schemas.openxmlformats.org/presentationml/2006/main">
   <p:cSld>
     <p:spTree>
@@ -8776,7 +8938,7 @@
 </p:sld>
 </file>
 
-<file path=ppt/slides/slide13.xml><?xml version="1.0" encoding="utf-8"?>
+<file path=ppt/slides/slide14.xml><?xml version="1.0" encoding="utf-8"?>
 <p:sld xmlns:a="http://schemas.openxmlformats.org/drawingml/2006/main" xmlns:r="http://schemas.openxmlformats.org/officeDocument/2006/relationships" xmlns:p="http://schemas.openxmlformats.org/presentationml/2006/main">
   <p:cSld>
     <p:spTree>
@@ -8947,7 +9109,7 @@
 </p:sld>
 </file>
 
-<file path=ppt/slides/slide14.xml><?xml version="1.0" encoding="utf-8"?>
+<file path=ppt/slides/slide15.xml><?xml version="1.0" encoding="utf-8"?>
 <p:sld xmlns:a="http://schemas.openxmlformats.org/drawingml/2006/main" xmlns:r="http://schemas.openxmlformats.org/officeDocument/2006/relationships" xmlns:p="http://schemas.openxmlformats.org/presentationml/2006/main">
   <p:cSld>
     <p:spTree>
@@ -10612,7 +10774,7 @@
 </p:sld>
 </file>
 
-<file path=ppt/slides/slide15.xml><?xml version="1.0" encoding="utf-8"?>
+<file path=ppt/slides/slide16.xml><?xml version="1.0" encoding="utf-8"?>
 <p:sld xmlns:a="http://schemas.openxmlformats.org/drawingml/2006/main" xmlns:r="http://schemas.openxmlformats.org/officeDocument/2006/relationships" xmlns:p="http://schemas.openxmlformats.org/presentationml/2006/main">
   <p:cSld>
     <p:spTree>
@@ -11715,16 +11877,22 @@
           <a:noFill/>
         </p:spPr>
         <p:txBody>
-          <a:bodyPr wrap="square">
+          <a:bodyPr wrap="square" lIns="91440" tIns="45720" rIns="91440" bIns="45720" anchor="t">
             <a:spAutoFit/>
           </a:bodyPr>
           <a:lstStyle/>
           <a:p>
             <a:r>
-              <a:rPr lang="es-ES" sz="1800" b="1" dirty="0" err="1"/>
-              <a:t>X_train</a:t>
-            </a:r>
-            <a:endParaRPr lang="es-ES" b="1" dirty="0"/>
+              <a:rPr lang="es-ES" sz="1800" b="1"/>
+              <a:t>X_</a:t>
+            </a:r>
+            <a:r>
+              <a:rPr lang="es-ES" b="1"/>
+              <a:t>test</a:t>
+            </a:r>
+            <a:endParaRPr lang="es-ES" b="1">
+              <a:cs typeface="Calibri"/>
+            </a:endParaRPr>
           </a:p>
         </p:txBody>
       </p:sp>
@@ -11751,18 +11919,18 @@
           <a:noFill/>
         </p:spPr>
         <p:txBody>
-          <a:bodyPr wrap="square">
+          <a:bodyPr wrap="square" lIns="91440" tIns="45720" rIns="91440" bIns="45720" anchor="t">
             <a:spAutoFit/>
           </a:bodyPr>
           <a:lstStyle/>
           <a:p>
             <a:r>
-              <a:rPr lang="es-ES" sz="1800" b="1" dirty="0" err="1"/>
-              <a:t>Y_train</a:t>
-            </a:r>
-            <a:r>
-              <a:rPr lang="es-ES" sz="1800" b="1" dirty="0"/>
-              <a:t> </a:t>
+              <a:rPr lang="es-ES" sz="1800" b="1"/>
+              <a:t>Y_</a:t>
+            </a:r>
+            <a:r>
+              <a:rPr lang="es-ES" b="1"/>
+              <a:t>test </a:t>
             </a:r>
             <a:endParaRPr lang="es-ES" b="1" dirty="0"/>
           </a:p>
@@ -11973,7 +12141,7 @@
 </p:sld>
 </file>
 
-<file path=ppt/slides/slide16.xml><?xml version="1.0" encoding="utf-8"?>
+<file path=ppt/slides/slide17.xml><?xml version="1.0" encoding="utf-8"?>
 <p:sld xmlns:a="http://schemas.openxmlformats.org/drawingml/2006/main" xmlns:r="http://schemas.openxmlformats.org/officeDocument/2006/relationships" xmlns:p="http://schemas.openxmlformats.org/presentationml/2006/main">
   <p:cSld>
     <p:spTree>
@@ -12100,7 +12268,7 @@
 </p:sld>
 </file>
 
-<file path=ppt/slides/slide17.xml><?xml version="1.0" encoding="utf-8"?>
+<file path=ppt/slides/slide18.xml><?xml version="1.0" encoding="utf-8"?>
 <p:sld xmlns:a="http://schemas.openxmlformats.org/drawingml/2006/main" xmlns:r="http://schemas.openxmlformats.org/officeDocument/2006/relationships" xmlns:p="http://schemas.openxmlformats.org/presentationml/2006/main">
   <p:cSld>
     <p:spTree>
@@ -12389,7 +12557,7 @@
 </p:sld>
 </file>
 
-<file path=ppt/slides/slide18.xml><?xml version="1.0" encoding="utf-8"?>
+<file path=ppt/slides/slide19.xml><?xml version="1.0" encoding="utf-8"?>
 <p:sld xmlns:a="http://schemas.openxmlformats.org/drawingml/2006/main" xmlns:r="http://schemas.openxmlformats.org/officeDocument/2006/relationships" xmlns:p="http://schemas.openxmlformats.org/presentationml/2006/main">
   <p:cSld>
     <p:spTree>
@@ -13122,7 +13290,7 @@
         <p:spPr>
           <a:xfrm>
             <a:off x="8597920" y="4956685"/>
-            <a:ext cx="2806860" cy="369332"/>
+            <a:ext cx="2806860" cy="923330"/>
           </a:xfrm>
           <a:prstGeom prst="rect">
             <a:avLst/>
@@ -13136,16 +13304,31 @@
           <a:lstStyle/>
           <a:p>
             <a:r>
-              <a:rPr lang="es-ES" dirty="0"/>
+              <a:rPr lang="es-ES"/>
               <a:t> RMSE = </a:t>
             </a:r>
             <a:r>
-              <a:rPr lang="es-ES" dirty="0">
+              <a:rPr lang="es-ES">
                 <a:ea typeface="+mn-lt"/>
                 <a:cs typeface="+mn-lt"/>
               </a:rPr>
-              <a:t>3486, MAE = 2172,</a:t>
-            </a:r>
+              <a:t>3533, MAE = 2196,</a:t>
+            </a:r>
+          </a:p>
+          <a:p>
+            <a:r>
+              <a:rPr lang="es-ES">
+                <a:ea typeface="+mn-lt"/>
+                <a:cs typeface="+mn-lt"/>
+              </a:rPr>
+              <a:t> RMSE = 3317, MAE = 2059,</a:t>
+            </a:r>
+          </a:p>
+          <a:p>
+            <a:endParaRPr lang="es-ES" dirty="0">
+              <a:ea typeface="+mn-lt"/>
+              <a:cs typeface="+mn-lt"/>
+            </a:endParaRPr>
           </a:p>
         </p:txBody>
       </p:sp>
@@ -13206,7 +13389,7 @@
         <p:spPr>
           <a:xfrm>
             <a:off x="7913078" y="2939443"/>
-            <a:ext cx="523832" cy="369332"/>
+            <a:ext cx="523832" cy="646331"/>
           </a:xfrm>
           <a:prstGeom prst="rect">
             <a:avLst/>
@@ -13220,14 +13403,30 @@
           <a:lstStyle/>
           <a:p>
             <a:r>
-              <a:rPr lang="es-ES" dirty="0">
+              <a:rPr lang="es-ES">
                 <a:solidFill>
                   <a:schemeClr val="dk1"/>
                 </a:solidFill>
               </a:rPr>
-              <a:t>10</a:t>
-            </a:r>
-            <a:endParaRPr lang="es-ES" dirty="0"/>
+              <a:t>10,</a:t>
+            </a:r>
+            <a:endParaRPr lang="es-ES" dirty="0">
+              <a:solidFill>
+                <a:schemeClr val="dk1"/>
+              </a:solidFill>
+              <a:cs typeface="Calibri" panose="020F0502020204030204"/>
+            </a:endParaRPr>
+          </a:p>
+          <a:p>
+            <a:r>
+              <a:rPr lang="es-ES">
+                <a:solidFill>
+                  <a:schemeClr val="dk1"/>
+                </a:solidFill>
+                <a:cs typeface="Calibri"/>
+              </a:rPr>
+              <a:t>25</a:t>
+            </a:r>
           </a:p>
         </p:txBody>
       </p:sp>
@@ -13417,12 +13616,12 @@
           <a:p>
             <a:pPr rtl="0"/>
             <a:r>
-              <a:rPr lang="es-ES" dirty="0">
+              <a:rPr lang="es-ES">
                 <a:latin typeface="Calibri"/>
                 <a:ea typeface="Segoe UI"/>
                 <a:cs typeface="Segoe UI"/>
               </a:rPr>
-              <a:t>RMSE = 4113, MAE = 2644</a:t>
+              <a:t>RMSE = 3500, MAE = 2244</a:t>
             </a:r>
             <a:r>
               <a:rPr lang="en-US" dirty="0">
@@ -13451,7 +13650,375 @@
 </p:sld>
 </file>
 
-<file path=ppt/slides/slide19.xml><?xml version="1.0" encoding="utf-8"?>
+<file path=ppt/slides/slide2.xml><?xml version="1.0" encoding="utf-8"?>
+<p:sld xmlns:a="http://schemas.openxmlformats.org/drawingml/2006/main" xmlns:r="http://schemas.openxmlformats.org/officeDocument/2006/relationships" xmlns:p="http://schemas.openxmlformats.org/presentationml/2006/main">
+  <p:cSld>
+    <p:bg>
+      <p:bgPr>
+        <a:solidFill>
+          <a:schemeClr val="accent1">
+            <a:lumMod val="20000"/>
+            <a:lumOff val="80000"/>
+          </a:schemeClr>
+        </a:solidFill>
+        <a:effectLst/>
+      </p:bgPr>
+    </p:bg>
+    <p:spTree>
+      <p:nvGrpSpPr>
+        <p:cNvPr id="1" name=""/>
+        <p:cNvGrpSpPr/>
+        <p:nvPr/>
+      </p:nvGrpSpPr>
+      <p:grpSpPr>
+        <a:xfrm>
+          <a:off x="0" y="0"/>
+          <a:ext cx="0" cy="0"/>
+          <a:chOff x="0" y="0"/>
+          <a:chExt cx="0" cy="0"/>
+        </a:xfrm>
+      </p:grpSpPr>
+      <p:sp>
+        <p:nvSpPr>
+          <p:cNvPr id="3" name="Subtítulo 2">
+            <a:extLst>
+              <a:ext uri="{FF2B5EF4-FFF2-40B4-BE49-F238E27FC236}">
+                <a16:creationId xmlns:a16="http://schemas.microsoft.com/office/drawing/2014/main" id="{1062D2E4-61AE-4907-9E28-64E2D66822C6}"/>
+              </a:ext>
+            </a:extLst>
+          </p:cNvPr>
+          <p:cNvSpPr>
+            <a:spLocks noGrp="1"/>
+          </p:cNvSpPr>
+          <p:nvPr>
+            <p:ph type="subTitle" idx="1"/>
+          </p:nvPr>
+        </p:nvSpPr>
+        <p:spPr>
+          <a:xfrm>
+            <a:off x="480166" y="1645396"/>
+            <a:ext cx="11148164" cy="1709781"/>
+          </a:xfrm>
+        </p:spPr>
+        <p:txBody>
+          <a:bodyPr vert="horz" lIns="91440" tIns="45720" rIns="91440" bIns="45720" rtlCol="0" anchor="t">
+            <a:noAutofit/>
+          </a:bodyPr>
+          <a:lstStyle/>
+          <a:p>
+            <a:pPr algn="r"/>
+            <a:r>
+              <a:rPr lang="es-ES" sz="3600" b="1">
+                <a:solidFill>
+                  <a:srgbClr val="000000"/>
+                </a:solidFill>
+                <a:latin typeface="Helvetica Neue"/>
+              </a:rPr>
+              <a:t>Índice</a:t>
+            </a:r>
+            <a:endParaRPr lang="es-ES"/>
+          </a:p>
+        </p:txBody>
+      </p:sp>
+      <p:sp>
+        <p:nvSpPr>
+          <p:cNvPr id="4" name="Subtítulo 2">
+            <a:extLst>
+              <a:ext uri="{FF2B5EF4-FFF2-40B4-BE49-F238E27FC236}">
+                <a16:creationId xmlns:a16="http://schemas.microsoft.com/office/drawing/2014/main" id="{0F8200DC-2B34-480B-985B-A3D4A5F18410}"/>
+              </a:ext>
+            </a:extLst>
+          </p:cNvPr>
+          <p:cNvSpPr txBox="1">
+            <a:spLocks/>
+          </p:cNvSpPr>
+          <p:nvPr/>
+        </p:nvSpPr>
+        <p:spPr>
+          <a:xfrm>
+            <a:off x="3737376" y="2727671"/>
+            <a:ext cx="7893472" cy="3421934"/>
+          </a:xfrm>
+          <a:prstGeom prst="rect">
+            <a:avLst/>
+          </a:prstGeom>
+        </p:spPr>
+        <p:txBody>
+          <a:bodyPr vert="horz" lIns="91440" tIns="45720" rIns="91440" bIns="45720" rtlCol="0" anchor="t">
+            <a:noAutofit/>
+          </a:bodyPr>
+          <a:lstStyle>
+            <a:lvl1pPr marL="0" indent="0" algn="ctr" defTabSz="914400" rtl="0" eaLnBrk="1" latinLnBrk="0" hangingPunct="1">
+              <a:lnSpc>
+                <a:spcPct val="90000"/>
+              </a:lnSpc>
+              <a:spcBef>
+                <a:spcPts val="1000"/>
+              </a:spcBef>
+              <a:buFont typeface="Arial" panose="020B0604020202020204" pitchFamily="34" charset="0"/>
+              <a:buNone/>
+              <a:defRPr sz="2400" kern="1200">
+                <a:solidFill>
+                  <a:schemeClr val="tx1"/>
+                </a:solidFill>
+                <a:latin typeface="+mn-lt"/>
+                <a:ea typeface="+mn-ea"/>
+                <a:cs typeface="+mn-cs"/>
+              </a:defRPr>
+            </a:lvl1pPr>
+            <a:lvl2pPr marL="457200" indent="0" algn="ctr" defTabSz="914400" rtl="0" eaLnBrk="1" latinLnBrk="0" hangingPunct="1">
+              <a:lnSpc>
+                <a:spcPct val="90000"/>
+              </a:lnSpc>
+              <a:spcBef>
+                <a:spcPts val="500"/>
+              </a:spcBef>
+              <a:buFont typeface="Arial" panose="020B0604020202020204" pitchFamily="34" charset="0"/>
+              <a:buNone/>
+              <a:defRPr sz="2000" kern="1200">
+                <a:solidFill>
+                  <a:schemeClr val="tx1"/>
+                </a:solidFill>
+                <a:latin typeface="+mn-lt"/>
+                <a:ea typeface="+mn-ea"/>
+                <a:cs typeface="+mn-cs"/>
+              </a:defRPr>
+            </a:lvl2pPr>
+            <a:lvl3pPr marL="914400" indent="0" algn="ctr" defTabSz="914400" rtl="0" eaLnBrk="1" latinLnBrk="0" hangingPunct="1">
+              <a:lnSpc>
+                <a:spcPct val="90000"/>
+              </a:lnSpc>
+              <a:spcBef>
+                <a:spcPts val="500"/>
+              </a:spcBef>
+              <a:buFont typeface="Arial" panose="020B0604020202020204" pitchFamily="34" charset="0"/>
+              <a:buNone/>
+              <a:defRPr sz="1800" kern="1200">
+                <a:solidFill>
+                  <a:schemeClr val="tx1"/>
+                </a:solidFill>
+                <a:latin typeface="+mn-lt"/>
+                <a:ea typeface="+mn-ea"/>
+                <a:cs typeface="+mn-cs"/>
+              </a:defRPr>
+            </a:lvl3pPr>
+            <a:lvl4pPr marL="1371600" indent="0" algn="ctr" defTabSz="914400" rtl="0" eaLnBrk="1" latinLnBrk="0" hangingPunct="1">
+              <a:lnSpc>
+                <a:spcPct val="90000"/>
+              </a:lnSpc>
+              <a:spcBef>
+                <a:spcPts val="500"/>
+              </a:spcBef>
+              <a:buFont typeface="Arial" panose="020B0604020202020204" pitchFamily="34" charset="0"/>
+              <a:buNone/>
+              <a:defRPr sz="1600" kern="1200">
+                <a:solidFill>
+                  <a:schemeClr val="tx1"/>
+                </a:solidFill>
+                <a:latin typeface="+mn-lt"/>
+                <a:ea typeface="+mn-ea"/>
+                <a:cs typeface="+mn-cs"/>
+              </a:defRPr>
+            </a:lvl4pPr>
+            <a:lvl5pPr marL="1828800" indent="0" algn="ctr" defTabSz="914400" rtl="0" eaLnBrk="1" latinLnBrk="0" hangingPunct="1">
+              <a:lnSpc>
+                <a:spcPct val="90000"/>
+              </a:lnSpc>
+              <a:spcBef>
+                <a:spcPts val="500"/>
+              </a:spcBef>
+              <a:buFont typeface="Arial" panose="020B0604020202020204" pitchFamily="34" charset="0"/>
+              <a:buNone/>
+              <a:defRPr sz="1600" kern="1200">
+                <a:solidFill>
+                  <a:schemeClr val="tx1"/>
+                </a:solidFill>
+                <a:latin typeface="+mn-lt"/>
+                <a:ea typeface="+mn-ea"/>
+                <a:cs typeface="+mn-cs"/>
+              </a:defRPr>
+            </a:lvl5pPr>
+            <a:lvl6pPr marL="2286000" indent="0" algn="ctr" defTabSz="914400" rtl="0" eaLnBrk="1" latinLnBrk="0" hangingPunct="1">
+              <a:lnSpc>
+                <a:spcPct val="90000"/>
+              </a:lnSpc>
+              <a:spcBef>
+                <a:spcPts val="500"/>
+              </a:spcBef>
+              <a:buFont typeface="Arial" panose="020B0604020202020204" pitchFamily="34" charset="0"/>
+              <a:buNone/>
+              <a:defRPr sz="1600" kern="1200">
+                <a:solidFill>
+                  <a:schemeClr val="tx1"/>
+                </a:solidFill>
+                <a:latin typeface="+mn-lt"/>
+                <a:ea typeface="+mn-ea"/>
+                <a:cs typeface="+mn-cs"/>
+              </a:defRPr>
+            </a:lvl6pPr>
+            <a:lvl7pPr marL="2743200" indent="0" algn="ctr" defTabSz="914400" rtl="0" eaLnBrk="1" latinLnBrk="0" hangingPunct="1">
+              <a:lnSpc>
+                <a:spcPct val="90000"/>
+              </a:lnSpc>
+              <a:spcBef>
+                <a:spcPts val="500"/>
+              </a:spcBef>
+              <a:buFont typeface="Arial" panose="020B0604020202020204" pitchFamily="34" charset="0"/>
+              <a:buNone/>
+              <a:defRPr sz="1600" kern="1200">
+                <a:solidFill>
+                  <a:schemeClr val="tx1"/>
+                </a:solidFill>
+                <a:latin typeface="+mn-lt"/>
+                <a:ea typeface="+mn-ea"/>
+                <a:cs typeface="+mn-cs"/>
+              </a:defRPr>
+            </a:lvl7pPr>
+            <a:lvl8pPr marL="3200400" indent="0" algn="ctr" defTabSz="914400" rtl="0" eaLnBrk="1" latinLnBrk="0" hangingPunct="1">
+              <a:lnSpc>
+                <a:spcPct val="90000"/>
+              </a:lnSpc>
+              <a:spcBef>
+                <a:spcPts val="500"/>
+              </a:spcBef>
+              <a:buFont typeface="Arial" panose="020B0604020202020204" pitchFamily="34" charset="0"/>
+              <a:buNone/>
+              <a:defRPr sz="1600" kern="1200">
+                <a:solidFill>
+                  <a:schemeClr val="tx1"/>
+                </a:solidFill>
+                <a:latin typeface="+mn-lt"/>
+                <a:ea typeface="+mn-ea"/>
+                <a:cs typeface="+mn-cs"/>
+              </a:defRPr>
+            </a:lvl8pPr>
+            <a:lvl9pPr marL="3657600" indent="0" algn="ctr" defTabSz="914400" rtl="0" eaLnBrk="1" latinLnBrk="0" hangingPunct="1">
+              <a:lnSpc>
+                <a:spcPct val="90000"/>
+              </a:lnSpc>
+              <a:spcBef>
+                <a:spcPts val="500"/>
+              </a:spcBef>
+              <a:buFont typeface="Arial" panose="020B0604020202020204" pitchFamily="34" charset="0"/>
+              <a:buNone/>
+              <a:defRPr sz="1600" kern="1200">
+                <a:solidFill>
+                  <a:schemeClr val="tx1"/>
+                </a:solidFill>
+                <a:latin typeface="+mn-lt"/>
+                <a:ea typeface="+mn-ea"/>
+                <a:cs typeface="+mn-cs"/>
+              </a:defRPr>
+            </a:lvl9pPr>
+          </a:lstStyle>
+          <a:p>
+            <a:pPr algn="r"/>
+            <a:r>
+              <a:rPr lang="es-ES" sz="2000">
+                <a:solidFill>
+                  <a:srgbClr val="212529"/>
+                </a:solidFill>
+                <a:latin typeface="-apple-system"/>
+              </a:rPr>
+              <a:t>Procesamiento de los datos</a:t>
+            </a:r>
+            <a:endParaRPr lang="es-ES">
+              <a:solidFill>
+                <a:srgbClr val="000000"/>
+              </a:solidFill>
+              <a:latin typeface="Calibri" panose="020F0502020204030204"/>
+              <a:cs typeface="Calibri" panose="020F0502020204030204"/>
+            </a:endParaRPr>
+          </a:p>
+          <a:p>
+            <a:pPr algn="r"/>
+            <a:r>
+              <a:rPr lang="es-ES" sz="2000">
+                <a:solidFill>
+                  <a:srgbClr val="212529"/>
+                </a:solidFill>
+                <a:latin typeface="-apple-system"/>
+              </a:rPr>
+              <a:t>Ingeniería de características</a:t>
+            </a:r>
+          </a:p>
+          <a:p>
+            <a:pPr algn="r"/>
+            <a:r>
+              <a:rPr lang="es-ES" sz="2000">
+                <a:solidFill>
+                  <a:srgbClr val="212529"/>
+                </a:solidFill>
+                <a:latin typeface="-apple-system"/>
+              </a:rPr>
+              <a:t>Visualización</a:t>
+            </a:r>
+          </a:p>
+          <a:p>
+            <a:pPr algn="r"/>
+            <a:r>
+              <a:rPr lang="es-ES" sz="2000">
+                <a:solidFill>
+                  <a:srgbClr val="212529"/>
+                </a:solidFill>
+                <a:latin typeface="-apple-system"/>
+              </a:rPr>
+              <a:t>PCA</a:t>
+            </a:r>
+            <a:endParaRPr lang="es-ES"/>
+          </a:p>
+          <a:p>
+            <a:pPr algn="r"/>
+            <a:r>
+              <a:rPr lang="es-ES" sz="2000">
+                <a:solidFill>
+                  <a:srgbClr val="212529"/>
+                </a:solidFill>
+                <a:latin typeface="-apple-system"/>
+              </a:rPr>
+              <a:t>ElasticNet</a:t>
+            </a:r>
+            <a:endParaRPr lang="es-ES" sz="2000" dirty="0">
+              <a:solidFill>
+                <a:srgbClr val="212529"/>
+              </a:solidFill>
+              <a:latin typeface="-apple-system"/>
+            </a:endParaRPr>
+          </a:p>
+          <a:p>
+            <a:pPr algn="r"/>
+            <a:r>
+              <a:rPr lang="es-ES" sz="2000">
+                <a:solidFill>
+                  <a:srgbClr val="212529"/>
+                </a:solidFill>
+                <a:latin typeface="-apple-system"/>
+              </a:rPr>
+              <a:t>Redes Neuronales Densas</a:t>
+            </a:r>
+            <a:endParaRPr lang="es-ES" sz="2000" dirty="0">
+              <a:solidFill>
+                <a:srgbClr val="212529"/>
+              </a:solidFill>
+              <a:latin typeface="-apple-system"/>
+            </a:endParaRPr>
+          </a:p>
+        </p:txBody>
+      </p:sp>
+    </p:spTree>
+    <p:extLst>
+      <p:ext uri="{BB962C8B-B14F-4D97-AF65-F5344CB8AC3E}">
+        <p14:creationId xmlns:p14="http://schemas.microsoft.com/office/powerpoint/2010/main" val="1770430877"/>
+      </p:ext>
+    </p:extLst>
+  </p:cSld>
+  <p:clrMapOvr>
+    <a:masterClrMapping/>
+  </p:clrMapOvr>
+</p:sld>
+</file>
+
+<file path=ppt/slides/slide20.xml><?xml version="1.0" encoding="utf-8"?>
 <p:sld xmlns:a="http://schemas.openxmlformats.org/drawingml/2006/main" xmlns:r="http://schemas.openxmlformats.org/officeDocument/2006/relationships" xmlns:p="http://schemas.openxmlformats.org/presentationml/2006/main">
   <p:cSld>
     <p:spTree>
@@ -13648,8 +14215,8 @@
         </p:blipFill>
         <p:spPr>
           <a:xfrm>
-            <a:off x="8597030" y="4424453"/>
-            <a:ext cx="2743200" cy="1975673"/>
+            <a:off x="8992875" y="1900947"/>
+            <a:ext cx="2030681" cy="1451180"/>
           </a:xfrm>
           <a:prstGeom prst="rect">
             <a:avLst/>
@@ -13658,10 +14225,10 @@
       </p:pic>
       <p:pic>
         <p:nvPicPr>
-          <p:cNvPr id="117" name="Imagen 117">
-            <a:extLst>
-              <a:ext uri="{FF2B5EF4-FFF2-40B4-BE49-F238E27FC236}">
-                <a16:creationId xmlns:a16="http://schemas.microsoft.com/office/drawing/2014/main" id="{669252E9-C62E-4BA0-88E3-D018E7245F10}"/>
+          <p:cNvPr id="119" name="Imagen 119" descr="Imagen que contiene Interfaz de usuario gráfica&#10;&#10;Descripción generada automáticamente">
+            <a:extLst>
+              <a:ext uri="{FF2B5EF4-FFF2-40B4-BE49-F238E27FC236}">
+                <a16:creationId xmlns:a16="http://schemas.microsoft.com/office/drawing/2014/main" id="{B2918FB6-1705-462F-87E6-159416A6BAD5}"/>
               </a:ext>
             </a:extLst>
           </p:cNvPr>
@@ -13678,8 +14245,8 @@
         </p:blipFill>
         <p:spPr>
           <a:xfrm>
-            <a:off x="5434209" y="4424452"/>
-            <a:ext cx="2743200" cy="1975673"/>
+            <a:off x="6595306" y="1811337"/>
+            <a:ext cx="2139538" cy="1540245"/>
           </a:xfrm>
           <a:prstGeom prst="rect">
             <a:avLst/>
@@ -13688,10 +14255,10 @@
       </p:pic>
       <p:pic>
         <p:nvPicPr>
-          <p:cNvPr id="119" name="Imagen 119" descr="Imagen que contiene Interfaz de usuario gráfica&#10;&#10;Descripción generada automáticamente">
-            <a:extLst>
-              <a:ext uri="{FF2B5EF4-FFF2-40B4-BE49-F238E27FC236}">
-                <a16:creationId xmlns:a16="http://schemas.microsoft.com/office/drawing/2014/main" id="{B2918FB6-1705-462F-87E6-159416A6BAD5}"/>
+          <p:cNvPr id="4" name="Imagen 4">
+            <a:extLst>
+              <a:ext uri="{FF2B5EF4-FFF2-40B4-BE49-F238E27FC236}">
+                <a16:creationId xmlns:a16="http://schemas.microsoft.com/office/drawing/2014/main" id="{8F1C7E73-5682-45E2-BD13-7ECF4BF76ECC}"/>
               </a:ext>
             </a:extLst>
           </p:cNvPr>
@@ -13708,8 +14275,8 @@
         </p:blipFill>
         <p:spPr>
           <a:xfrm>
-            <a:off x="7020838" y="2128013"/>
-            <a:ext cx="2743200" cy="1975673"/>
+            <a:off x="6905746" y="3630537"/>
+            <a:ext cx="3995802" cy="2768153"/>
           </a:xfrm>
           <a:prstGeom prst="rect">
             <a:avLst/>
@@ -13729,1770 +14296,7 @@
 </p:sld>
 </file>
 
-<file path=ppt/slides/slide2.xml><?xml version="1.0" encoding="utf-8"?>
-<p:sld xmlns:a="http://schemas.openxmlformats.org/drawingml/2006/main" xmlns:r="http://schemas.openxmlformats.org/officeDocument/2006/relationships" xmlns:p="http://schemas.openxmlformats.org/presentationml/2006/main">
-  <p:cSld>
-    <p:spTree>
-      <p:nvGrpSpPr>
-        <p:cNvPr id="1" name=""/>
-        <p:cNvGrpSpPr/>
-        <p:nvPr/>
-      </p:nvGrpSpPr>
-      <p:grpSpPr>
-        <a:xfrm>
-          <a:off x="0" y="0"/>
-          <a:ext cx="0" cy="0"/>
-          <a:chOff x="0" y="0"/>
-          <a:chExt cx="0" cy="0"/>
-        </a:xfrm>
-      </p:grpSpPr>
-      <p:sp>
-        <p:nvSpPr>
-          <p:cNvPr id="2" name="Título 1">
-            <a:extLst>
-              <a:ext uri="{FF2B5EF4-FFF2-40B4-BE49-F238E27FC236}">
-                <a16:creationId xmlns:a16="http://schemas.microsoft.com/office/drawing/2014/main" id="{E16E10AD-E1BD-4DC3-8074-6673586404B9}"/>
-              </a:ext>
-            </a:extLst>
-          </p:cNvPr>
-          <p:cNvSpPr>
-            <a:spLocks noGrp="1"/>
-          </p:cNvSpPr>
-          <p:nvPr>
-            <p:ph type="title"/>
-          </p:nvPr>
-        </p:nvSpPr>
-        <p:spPr>
-          <a:xfrm>
-            <a:off x="609601" y="311968"/>
-            <a:ext cx="7269271" cy="761893"/>
-          </a:xfrm>
-        </p:spPr>
-        <p:txBody>
-          <a:bodyPr>
-            <a:normAutofit fontScale="90000"/>
-          </a:bodyPr>
-          <a:lstStyle/>
-          <a:p>
-            <a:r>
-              <a:rPr lang="es-ES" dirty="0"/>
-              <a:t>Preprocesamiento de los datos (I)</a:t>
-            </a:r>
-          </a:p>
-        </p:txBody>
-      </p:sp>
-      <p:graphicFrame>
-        <p:nvGraphicFramePr>
-          <p:cNvPr id="4" name="Tabla 4">
-            <a:extLst>
-              <a:ext uri="{FF2B5EF4-FFF2-40B4-BE49-F238E27FC236}">
-                <a16:creationId xmlns:a16="http://schemas.microsoft.com/office/drawing/2014/main" id="{9BF34966-99B3-482A-B7F5-1BC4EF6C72C0}"/>
-              </a:ext>
-            </a:extLst>
-          </p:cNvPr>
-          <p:cNvGraphicFramePr>
-            <a:graphicFrameLocks noGrp="1"/>
-          </p:cNvGraphicFramePr>
-          <p:nvPr>
-            <p:ph idx="1"/>
-          </p:nvPr>
-        </p:nvGraphicFramePr>
-        <p:xfrm>
-          <a:off x="609601" y="1419014"/>
-          <a:ext cx="3429000" cy="4719320"/>
-        </p:xfrm>
-        <a:graphic>
-          <a:graphicData uri="http://schemas.openxmlformats.org/drawingml/2006/table">
-            <a:tbl>
-              <a:tblPr firstRow="1" bandRow="1">
-                <a:tableStyleId>{93296810-A885-4BE3-A3E7-6D5BEEA58F35}</a:tableStyleId>
-              </a:tblPr>
-              <a:tblGrid>
-                <a:gridCol w="1838324">
-                  <a:extLst>
-                    <a:ext uri="{9D8B030D-6E8A-4147-A177-3AD203B41FA5}">
-                      <a16:colId xmlns:a16="http://schemas.microsoft.com/office/drawing/2014/main" val="2915807712"/>
-                    </a:ext>
-                  </a:extLst>
-                </a:gridCol>
-                <a:gridCol w="1590676">
-                  <a:extLst>
-                    <a:ext uri="{9D8B030D-6E8A-4147-A177-3AD203B41FA5}">
-                      <a16:colId xmlns:a16="http://schemas.microsoft.com/office/drawing/2014/main" val="2565032266"/>
-                    </a:ext>
-                  </a:extLst>
-                </a:gridCol>
-              </a:tblGrid>
-              <a:tr h="370840">
-                <a:tc>
-                  <a:txBody>
-                    <a:bodyPr/>
-                    <a:lstStyle/>
-                    <a:p>
-                      <a:r>
-                        <a:rPr lang="es-ES" dirty="0"/>
-                        <a:t>Nombre fichero</a:t>
-                      </a:r>
-                    </a:p>
-                  </a:txBody>
-                  <a:tcPr/>
-                </a:tc>
-                <a:tc>
-                  <a:txBody>
-                    <a:bodyPr/>
-                    <a:lstStyle/>
-                    <a:p>
-                      <a:r>
-                        <a:rPr lang="es-ES" dirty="0" err="1"/>
-                        <a:t>Núm</a:t>
-                      </a:r>
-                      <a:r>
-                        <a:rPr lang="es-ES" dirty="0"/>
-                        <a:t> coches x </a:t>
-                      </a:r>
-                      <a:r>
-                        <a:rPr lang="es-ES" dirty="0" err="1"/>
-                        <a:t>Features</a:t>
-                      </a:r>
-                      <a:endParaRPr lang="es-ES" dirty="0"/>
-                    </a:p>
-                  </a:txBody>
-                  <a:tcPr/>
-                </a:tc>
-                <a:extLst>
-                  <a:ext uri="{0D108BD9-81ED-4DB2-BD59-A6C34878D82A}">
-                    <a16:rowId xmlns:a16="http://schemas.microsoft.com/office/drawing/2014/main" val="294767772"/>
-                  </a:ext>
-                </a:extLst>
-              </a:tr>
-              <a:tr h="370840">
-                <a:tc>
-                  <a:txBody>
-                    <a:bodyPr/>
-                    <a:lstStyle/>
-                    <a:p>
-                      <a:r>
-                        <a:rPr lang="es-ES" dirty="0"/>
-                        <a:t>Audi.csv</a:t>
-                      </a:r>
-                    </a:p>
-                  </a:txBody>
-                  <a:tcPr/>
-                </a:tc>
-                <a:tc>
-                  <a:txBody>
-                    <a:bodyPr/>
-                    <a:lstStyle/>
-                    <a:p>
-                      <a:pPr algn="r"/>
-                      <a:r>
-                        <a:rPr lang="es-ES" dirty="0"/>
-                        <a:t>10668 x 9</a:t>
-                      </a:r>
-                    </a:p>
-                  </a:txBody>
-                  <a:tcPr/>
-                </a:tc>
-                <a:extLst>
-                  <a:ext uri="{0D108BD9-81ED-4DB2-BD59-A6C34878D82A}">
-                    <a16:rowId xmlns:a16="http://schemas.microsoft.com/office/drawing/2014/main" val="2545464344"/>
-                  </a:ext>
-                </a:extLst>
-              </a:tr>
-              <a:tr h="370840">
-                <a:tc>
-                  <a:txBody>
-                    <a:bodyPr/>
-                    <a:lstStyle/>
-                    <a:p>
-                      <a:r>
-                        <a:rPr lang="es-ES" dirty="0"/>
-                        <a:t>Bmw.csv</a:t>
-                      </a:r>
-                    </a:p>
-                  </a:txBody>
-                  <a:tcPr/>
-                </a:tc>
-                <a:tc>
-                  <a:txBody>
-                    <a:bodyPr/>
-                    <a:lstStyle/>
-                    <a:p>
-                      <a:pPr algn="r"/>
-                      <a:r>
-                        <a:rPr lang="es-ES" dirty="0"/>
-                        <a:t>10781 x 9</a:t>
-                      </a:r>
-                    </a:p>
-                  </a:txBody>
-                  <a:tcPr/>
-                </a:tc>
-                <a:extLst>
-                  <a:ext uri="{0D108BD9-81ED-4DB2-BD59-A6C34878D82A}">
-                    <a16:rowId xmlns:a16="http://schemas.microsoft.com/office/drawing/2014/main" val="1007194803"/>
-                  </a:ext>
-                </a:extLst>
-              </a:tr>
-              <a:tr h="370840">
-                <a:tc>
-                  <a:txBody>
-                    <a:bodyPr/>
-                    <a:lstStyle/>
-                    <a:p>
-                      <a:pPr marL="0" marR="0" lvl="0" indent="0" algn="l" defTabSz="914400" rtl="0" eaLnBrk="1" fontAlgn="auto" latinLnBrk="0" hangingPunct="1">
-                        <a:lnSpc>
-                          <a:spcPct val="100000"/>
-                        </a:lnSpc>
-                        <a:spcBef>
-                          <a:spcPts val="0"/>
-                        </a:spcBef>
-                        <a:spcAft>
-                          <a:spcPts val="0"/>
-                        </a:spcAft>
-                        <a:buClrTx/>
-                        <a:buSzTx/>
-                        <a:buFontTx/>
-                        <a:buNone/>
-                        <a:tabLst/>
-                        <a:defRPr/>
-                      </a:pPr>
-                      <a:r>
-                        <a:rPr lang="es-ES" dirty="0"/>
-                        <a:t>Cclass.csv</a:t>
-                      </a:r>
-                    </a:p>
-                  </a:txBody>
-                  <a:tcPr/>
-                </a:tc>
-                <a:tc>
-                  <a:txBody>
-                    <a:bodyPr/>
-                    <a:lstStyle/>
-                    <a:p>
-                      <a:pPr algn="r"/>
-                      <a:r>
-                        <a:rPr lang="es-ES" dirty="0"/>
-                        <a:t>3899 x 7</a:t>
-                      </a:r>
-                    </a:p>
-                  </a:txBody>
-                  <a:tcPr/>
-                </a:tc>
-                <a:extLst>
-                  <a:ext uri="{0D108BD9-81ED-4DB2-BD59-A6C34878D82A}">
-                    <a16:rowId xmlns:a16="http://schemas.microsoft.com/office/drawing/2014/main" val="3960902401"/>
-                  </a:ext>
-                </a:extLst>
-              </a:tr>
-              <a:tr h="370840">
-                <a:tc>
-                  <a:txBody>
-                    <a:bodyPr/>
-                    <a:lstStyle/>
-                    <a:p>
-                      <a:pPr marL="0" marR="0" lvl="0" indent="0" algn="l" defTabSz="914400" rtl="0" eaLnBrk="1" fontAlgn="auto" latinLnBrk="0" hangingPunct="1">
-                        <a:lnSpc>
-                          <a:spcPct val="100000"/>
-                        </a:lnSpc>
-                        <a:spcBef>
-                          <a:spcPts val="0"/>
-                        </a:spcBef>
-                        <a:spcAft>
-                          <a:spcPts val="0"/>
-                        </a:spcAft>
-                        <a:buClrTx/>
-                        <a:buSzTx/>
-                        <a:buFontTx/>
-                        <a:buNone/>
-                        <a:tabLst/>
-                        <a:defRPr/>
-                      </a:pPr>
-                      <a:r>
-                        <a:rPr lang="es-ES" dirty="0"/>
-                        <a:t>Merc.csv</a:t>
-                      </a:r>
-                    </a:p>
-                  </a:txBody>
-                  <a:tcPr/>
-                </a:tc>
-                <a:tc>
-                  <a:txBody>
-                    <a:bodyPr/>
-                    <a:lstStyle/>
-                    <a:p>
-                      <a:pPr algn="r"/>
-                      <a:r>
-                        <a:rPr lang="es-ES" dirty="0"/>
-                        <a:t>13119 x 9</a:t>
-                      </a:r>
-                    </a:p>
-                  </a:txBody>
-                  <a:tcPr/>
-                </a:tc>
-                <a:extLst>
-                  <a:ext uri="{0D108BD9-81ED-4DB2-BD59-A6C34878D82A}">
-                    <a16:rowId xmlns:a16="http://schemas.microsoft.com/office/drawing/2014/main" val="326215553"/>
-                  </a:ext>
-                </a:extLst>
-              </a:tr>
-              <a:tr h="370840">
-                <a:tc>
-                  <a:txBody>
-                    <a:bodyPr/>
-                    <a:lstStyle/>
-                    <a:p>
-                      <a:r>
-                        <a:rPr lang="es-ES" dirty="0"/>
-                        <a:t>Ford.csv</a:t>
-                      </a:r>
-                    </a:p>
-                  </a:txBody>
-                  <a:tcPr/>
-                </a:tc>
-                <a:tc>
-                  <a:txBody>
-                    <a:bodyPr/>
-                    <a:lstStyle/>
-                    <a:p>
-                      <a:pPr algn="r"/>
-                      <a:r>
-                        <a:rPr lang="es-ES" dirty="0"/>
-                        <a:t>17965 x 9</a:t>
-                      </a:r>
-                    </a:p>
-                  </a:txBody>
-                  <a:tcPr/>
-                </a:tc>
-                <a:extLst>
-                  <a:ext uri="{0D108BD9-81ED-4DB2-BD59-A6C34878D82A}">
-                    <a16:rowId xmlns:a16="http://schemas.microsoft.com/office/drawing/2014/main" val="2242830219"/>
-                  </a:ext>
-                </a:extLst>
-              </a:tr>
-              <a:tr h="370840">
-                <a:tc>
-                  <a:txBody>
-                    <a:bodyPr/>
-                    <a:lstStyle/>
-                    <a:p>
-                      <a:r>
-                        <a:rPr lang="es-ES" dirty="0"/>
-                        <a:t>Focus.csv</a:t>
-                      </a:r>
-                    </a:p>
-                  </a:txBody>
-                  <a:tcPr/>
-                </a:tc>
-                <a:tc>
-                  <a:txBody>
-                    <a:bodyPr/>
-                    <a:lstStyle/>
-                    <a:p>
-                      <a:pPr algn="r"/>
-                      <a:r>
-                        <a:rPr lang="es-ES" dirty="0"/>
-                        <a:t>5454 x 7</a:t>
-                      </a:r>
-                    </a:p>
-                  </a:txBody>
-                  <a:tcPr/>
-                </a:tc>
-                <a:extLst>
-                  <a:ext uri="{0D108BD9-81ED-4DB2-BD59-A6C34878D82A}">
-                    <a16:rowId xmlns:a16="http://schemas.microsoft.com/office/drawing/2014/main" val="3188267199"/>
-                  </a:ext>
-                </a:extLst>
-              </a:tr>
-              <a:tr h="370840">
-                <a:tc>
-                  <a:txBody>
-                    <a:bodyPr/>
-                    <a:lstStyle/>
-                    <a:p>
-                      <a:r>
-                        <a:rPr lang="es-ES" dirty="0"/>
-                        <a:t>Hyundi.csv</a:t>
-                      </a:r>
-                    </a:p>
-                  </a:txBody>
-                  <a:tcPr/>
-                </a:tc>
-                <a:tc>
-                  <a:txBody>
-                    <a:bodyPr/>
-                    <a:lstStyle/>
-                    <a:p>
-                      <a:pPr algn="r"/>
-                      <a:r>
-                        <a:rPr lang="es-ES" dirty="0"/>
-                        <a:t>4860 x 9</a:t>
-                      </a:r>
-                    </a:p>
-                  </a:txBody>
-                  <a:tcPr/>
-                </a:tc>
-                <a:extLst>
-                  <a:ext uri="{0D108BD9-81ED-4DB2-BD59-A6C34878D82A}">
-                    <a16:rowId xmlns:a16="http://schemas.microsoft.com/office/drawing/2014/main" val="3407404723"/>
-                  </a:ext>
-                </a:extLst>
-              </a:tr>
-              <a:tr h="370840">
-                <a:tc>
-                  <a:txBody>
-                    <a:bodyPr/>
-                    <a:lstStyle/>
-                    <a:p>
-                      <a:r>
-                        <a:rPr lang="es-ES" dirty="0"/>
-                        <a:t>skoda.csv</a:t>
-                      </a:r>
-                    </a:p>
-                  </a:txBody>
-                  <a:tcPr/>
-                </a:tc>
-                <a:tc>
-                  <a:txBody>
-                    <a:bodyPr/>
-                    <a:lstStyle/>
-                    <a:p>
-                      <a:pPr algn="r"/>
-                      <a:r>
-                        <a:rPr lang="es-ES" dirty="0"/>
-                        <a:t>6267 x 9</a:t>
-                      </a:r>
-                    </a:p>
-                  </a:txBody>
-                  <a:tcPr/>
-                </a:tc>
-                <a:extLst>
-                  <a:ext uri="{0D108BD9-81ED-4DB2-BD59-A6C34878D82A}">
-                    <a16:rowId xmlns:a16="http://schemas.microsoft.com/office/drawing/2014/main" val="428713477"/>
-                  </a:ext>
-                </a:extLst>
-              </a:tr>
-              <a:tr h="370840">
-                <a:tc>
-                  <a:txBody>
-                    <a:bodyPr/>
-                    <a:lstStyle/>
-                    <a:p>
-                      <a:r>
-                        <a:rPr lang="es-ES" dirty="0"/>
-                        <a:t>toyota.csv</a:t>
-                      </a:r>
-                    </a:p>
-                  </a:txBody>
-                  <a:tcPr/>
-                </a:tc>
-                <a:tc>
-                  <a:txBody>
-                    <a:bodyPr/>
-                    <a:lstStyle/>
-                    <a:p>
-                      <a:pPr algn="r"/>
-                      <a:r>
-                        <a:rPr lang="es-ES" dirty="0"/>
-                        <a:t>6738 x 9</a:t>
-                      </a:r>
-                    </a:p>
-                  </a:txBody>
-                  <a:tcPr/>
-                </a:tc>
-                <a:extLst>
-                  <a:ext uri="{0D108BD9-81ED-4DB2-BD59-A6C34878D82A}">
-                    <a16:rowId xmlns:a16="http://schemas.microsoft.com/office/drawing/2014/main" val="2501466950"/>
-                  </a:ext>
-                </a:extLst>
-              </a:tr>
-              <a:tr h="370840">
-                <a:tc>
-                  <a:txBody>
-                    <a:bodyPr/>
-                    <a:lstStyle/>
-                    <a:p>
-                      <a:r>
-                        <a:rPr lang="es-ES" dirty="0"/>
-                        <a:t>vauxhall.csv</a:t>
-                      </a:r>
-                    </a:p>
-                  </a:txBody>
-                  <a:tcPr/>
-                </a:tc>
-                <a:tc>
-                  <a:txBody>
-                    <a:bodyPr/>
-                    <a:lstStyle/>
-                    <a:p>
-                      <a:pPr algn="r"/>
-                      <a:r>
-                        <a:rPr lang="es-ES" dirty="0"/>
-                        <a:t>13632 x 9</a:t>
-                      </a:r>
-                    </a:p>
-                  </a:txBody>
-                  <a:tcPr/>
-                </a:tc>
-                <a:extLst>
-                  <a:ext uri="{0D108BD9-81ED-4DB2-BD59-A6C34878D82A}">
-                    <a16:rowId xmlns:a16="http://schemas.microsoft.com/office/drawing/2014/main" val="3826678466"/>
-                  </a:ext>
-                </a:extLst>
-              </a:tr>
-              <a:tr h="370840">
-                <a:tc>
-                  <a:txBody>
-                    <a:bodyPr/>
-                    <a:lstStyle/>
-                    <a:p>
-                      <a:r>
-                        <a:rPr lang="es-ES" dirty="0"/>
-                        <a:t>vw.csv</a:t>
-                      </a:r>
-                    </a:p>
-                  </a:txBody>
-                  <a:tcPr/>
-                </a:tc>
-                <a:tc>
-                  <a:txBody>
-                    <a:bodyPr/>
-                    <a:lstStyle/>
-                    <a:p>
-                      <a:pPr algn="r"/>
-                      <a:r>
-                        <a:rPr lang="es-ES" dirty="0"/>
-                        <a:t>15157 x 9</a:t>
-                      </a:r>
-                    </a:p>
-                  </a:txBody>
-                  <a:tcPr/>
-                </a:tc>
-                <a:extLst>
-                  <a:ext uri="{0D108BD9-81ED-4DB2-BD59-A6C34878D82A}">
-                    <a16:rowId xmlns:a16="http://schemas.microsoft.com/office/drawing/2014/main" val="1481406996"/>
-                  </a:ext>
-                </a:extLst>
-              </a:tr>
-            </a:tbl>
-          </a:graphicData>
-        </a:graphic>
-      </p:graphicFrame>
-      <p:graphicFrame>
-        <p:nvGraphicFramePr>
-          <p:cNvPr id="5" name="Tabla 5">
-            <a:extLst>
-              <a:ext uri="{FF2B5EF4-FFF2-40B4-BE49-F238E27FC236}">
-                <a16:creationId xmlns:a16="http://schemas.microsoft.com/office/drawing/2014/main" id="{A1A49F2F-89AC-4245-BE77-A5C0CDDD16B8}"/>
-              </a:ext>
-            </a:extLst>
-          </p:cNvPr>
-          <p:cNvGraphicFramePr>
-            <a:graphicFrameLocks noGrp="1"/>
-          </p:cNvGraphicFramePr>
-          <p:nvPr/>
-        </p:nvGraphicFramePr>
-        <p:xfrm>
-          <a:off x="6096000" y="3537585"/>
-          <a:ext cx="1273119" cy="741680"/>
-        </p:xfrm>
-        <a:graphic>
-          <a:graphicData uri="http://schemas.openxmlformats.org/drawingml/2006/table">
-            <a:tbl>
-              <a:tblPr firstRow="1" bandRow="1">
-                <a:tableStyleId>{5C22544A-7EE6-4342-B048-85BDC9FD1C3A}</a:tableStyleId>
-              </a:tblPr>
-              <a:tblGrid>
-                <a:gridCol w="1273119">
-                  <a:extLst>
-                    <a:ext uri="{9D8B030D-6E8A-4147-A177-3AD203B41FA5}">
-                      <a16:colId xmlns:a16="http://schemas.microsoft.com/office/drawing/2014/main" val="4237135192"/>
-                    </a:ext>
-                  </a:extLst>
-                </a:gridCol>
-              </a:tblGrid>
-              <a:tr h="741680">
-                <a:tc>
-                  <a:txBody>
-                    <a:bodyPr/>
-                    <a:lstStyle/>
-                    <a:p>
-                      <a:r>
-                        <a:rPr lang="es-ES" sz="1800" b="0" i="0" kern="1200" dirty="0">
-                          <a:solidFill>
-                            <a:schemeClr val="tx1"/>
-                          </a:solidFill>
-                          <a:effectLst/>
-                          <a:latin typeface="+mn-lt"/>
-                          <a:ea typeface="+mn-ea"/>
-                          <a:cs typeface="+mn-cs"/>
-                        </a:rPr>
-                        <a:t>23419 x 10 </a:t>
-                      </a:r>
-                      <a:endParaRPr lang="es-ES" dirty="0">
-                        <a:solidFill>
-                          <a:schemeClr val="tx1"/>
-                        </a:solidFill>
-                      </a:endParaRPr>
-                    </a:p>
-                  </a:txBody>
-                  <a:tcPr anchor="ctr">
-                    <a:solidFill>
-                      <a:schemeClr val="accent1">
-                        <a:lumMod val="20000"/>
-                        <a:lumOff val="80000"/>
-                      </a:schemeClr>
-                    </a:solidFill>
-                  </a:tcPr>
-                </a:tc>
-                <a:extLst>
-                  <a:ext uri="{0D108BD9-81ED-4DB2-BD59-A6C34878D82A}">
-                    <a16:rowId xmlns:a16="http://schemas.microsoft.com/office/drawing/2014/main" val="3769611919"/>
-                  </a:ext>
-                </a:extLst>
-              </a:tr>
-            </a:tbl>
-          </a:graphicData>
-        </a:graphic>
-      </p:graphicFrame>
-      <p:graphicFrame>
-        <p:nvGraphicFramePr>
-          <p:cNvPr id="7" name="Tabla 7">
-            <a:extLst>
-              <a:ext uri="{FF2B5EF4-FFF2-40B4-BE49-F238E27FC236}">
-                <a16:creationId xmlns:a16="http://schemas.microsoft.com/office/drawing/2014/main" id="{E9AD6251-361A-44B3-8D0D-9C6828CA669B}"/>
-              </a:ext>
-            </a:extLst>
-          </p:cNvPr>
-          <p:cNvGraphicFramePr>
-            <a:graphicFrameLocks noGrp="1"/>
-          </p:cNvGraphicFramePr>
-          <p:nvPr/>
-        </p:nvGraphicFramePr>
-        <p:xfrm>
-          <a:off x="6096000" y="2800350"/>
-          <a:ext cx="1273119" cy="760730"/>
-        </p:xfrm>
-        <a:graphic>
-          <a:graphicData uri="http://schemas.openxmlformats.org/drawingml/2006/table">
-            <a:tbl>
-              <a:tblPr firstRow="1" bandRow="1">
-                <a:tableStyleId>{5C22544A-7EE6-4342-B048-85BDC9FD1C3A}</a:tableStyleId>
-              </a:tblPr>
-              <a:tblGrid>
-                <a:gridCol w="1273119">
-                  <a:extLst>
-                    <a:ext uri="{9D8B030D-6E8A-4147-A177-3AD203B41FA5}">
-                      <a16:colId xmlns:a16="http://schemas.microsoft.com/office/drawing/2014/main" val="1326209796"/>
-                    </a:ext>
-                  </a:extLst>
-                </a:gridCol>
-              </a:tblGrid>
-              <a:tr h="760730">
-                <a:tc>
-                  <a:txBody>
-                    <a:bodyPr/>
-                    <a:lstStyle/>
-                    <a:p>
-                      <a:r>
-                        <a:rPr lang="es-ES" sz="1800" b="0" i="0" kern="1200" dirty="0">
-                          <a:solidFill>
-                            <a:schemeClr val="tx1"/>
-                          </a:solidFill>
-                          <a:effectLst/>
-                          <a:latin typeface="+mn-lt"/>
-                          <a:ea typeface="+mn-ea"/>
-                          <a:cs typeface="+mn-cs"/>
-                        </a:rPr>
-                        <a:t>17018 x 10 </a:t>
-                      </a:r>
-                      <a:endParaRPr lang="es-ES" dirty="0">
-                        <a:solidFill>
-                          <a:schemeClr val="tx1"/>
-                        </a:solidFill>
-                      </a:endParaRPr>
-                    </a:p>
-                  </a:txBody>
-                  <a:tcPr anchor="ctr">
-                    <a:solidFill>
-                      <a:schemeClr val="accent1">
-                        <a:lumMod val="40000"/>
-                        <a:lumOff val="60000"/>
-                      </a:schemeClr>
-                    </a:solidFill>
-                  </a:tcPr>
-                </a:tc>
-                <a:extLst>
-                  <a:ext uri="{0D108BD9-81ED-4DB2-BD59-A6C34878D82A}">
-                    <a16:rowId xmlns:a16="http://schemas.microsoft.com/office/drawing/2014/main" val="831301567"/>
-                  </a:ext>
-                </a:extLst>
-              </a:tr>
-            </a:tbl>
-          </a:graphicData>
-        </a:graphic>
-      </p:graphicFrame>
-      <p:sp>
-        <p:nvSpPr>
-          <p:cNvPr id="3" name="Rectángulo 2">
-            <a:extLst>
-              <a:ext uri="{FF2B5EF4-FFF2-40B4-BE49-F238E27FC236}">
-                <a16:creationId xmlns:a16="http://schemas.microsoft.com/office/drawing/2014/main" id="{7CE805C0-047F-41FB-96B9-E259D160E973}"/>
-              </a:ext>
-            </a:extLst>
-          </p:cNvPr>
-          <p:cNvSpPr/>
-          <p:nvPr/>
-        </p:nvSpPr>
-        <p:spPr>
-          <a:xfrm>
-            <a:off x="323851" y="2856231"/>
-            <a:ext cx="3848100" cy="647700"/>
-          </a:xfrm>
-          <a:prstGeom prst="rect">
-            <a:avLst/>
-          </a:prstGeom>
-          <a:noFill/>
-          <a:ln w="28575">
-            <a:solidFill>
-              <a:schemeClr val="accent1">
-                <a:lumMod val="75000"/>
-              </a:schemeClr>
-            </a:solidFill>
-          </a:ln>
-        </p:spPr>
-        <p:style>
-          <a:lnRef idx="2">
-            <a:schemeClr val="accent1">
-              <a:shade val="50000"/>
-            </a:schemeClr>
-          </a:lnRef>
-          <a:fillRef idx="1">
-            <a:schemeClr val="accent1"/>
-          </a:fillRef>
-          <a:effectRef idx="0">
-            <a:schemeClr val="accent1"/>
-          </a:effectRef>
-          <a:fontRef idx="minor">
-            <a:schemeClr val="lt1"/>
-          </a:fontRef>
-        </p:style>
-        <p:txBody>
-          <a:bodyPr rtlCol="0" anchor="ctr"/>
-          <a:lstStyle/>
-          <a:p>
-            <a:pPr algn="ctr"/>
-            <a:endParaRPr lang="es-ES" dirty="0"/>
-          </a:p>
-        </p:txBody>
-      </p:sp>
-      <p:sp>
-        <p:nvSpPr>
-          <p:cNvPr id="9" name="Rectángulo 8">
-            <a:extLst>
-              <a:ext uri="{FF2B5EF4-FFF2-40B4-BE49-F238E27FC236}">
-                <a16:creationId xmlns:a16="http://schemas.microsoft.com/office/drawing/2014/main" id="{36F317CB-5F3E-4751-9490-69C37192D860}"/>
-              </a:ext>
-            </a:extLst>
-          </p:cNvPr>
-          <p:cNvSpPr/>
-          <p:nvPr/>
-        </p:nvSpPr>
-        <p:spPr>
-          <a:xfrm>
-            <a:off x="323851" y="3571082"/>
-            <a:ext cx="3848100" cy="647700"/>
-          </a:xfrm>
-          <a:prstGeom prst="rect">
-            <a:avLst/>
-          </a:prstGeom>
-          <a:noFill/>
-          <a:ln w="28575">
-            <a:solidFill>
-              <a:schemeClr val="accent1">
-                <a:lumMod val="75000"/>
-              </a:schemeClr>
-            </a:solidFill>
-          </a:ln>
-        </p:spPr>
-        <p:style>
-          <a:lnRef idx="2">
-            <a:schemeClr val="accent1">
-              <a:shade val="50000"/>
-            </a:schemeClr>
-          </a:lnRef>
-          <a:fillRef idx="1">
-            <a:schemeClr val="accent1"/>
-          </a:fillRef>
-          <a:effectRef idx="0">
-            <a:schemeClr val="accent1"/>
-          </a:effectRef>
-          <a:fontRef idx="minor">
-            <a:schemeClr val="lt1"/>
-          </a:fontRef>
-        </p:style>
-        <p:txBody>
-          <a:bodyPr rtlCol="0" anchor="ctr"/>
-          <a:lstStyle/>
-          <a:p>
-            <a:pPr algn="ctr"/>
-            <a:endParaRPr lang="es-ES" dirty="0"/>
-          </a:p>
-        </p:txBody>
-      </p:sp>
-      <p:graphicFrame>
-        <p:nvGraphicFramePr>
-          <p:cNvPr id="10" name="Tabla 10">
-            <a:extLst>
-              <a:ext uri="{FF2B5EF4-FFF2-40B4-BE49-F238E27FC236}">
-                <a16:creationId xmlns:a16="http://schemas.microsoft.com/office/drawing/2014/main" id="{AF026DFF-348D-4AFD-9041-6935DFD4F651}"/>
-              </a:ext>
-            </a:extLst>
-          </p:cNvPr>
-          <p:cNvGraphicFramePr>
-            <a:graphicFrameLocks noGrp="1"/>
-          </p:cNvGraphicFramePr>
-          <p:nvPr>
-            <p:extLst>
-              <p:ext uri="{D42A27DB-BD31-4B8C-83A1-F6EECF244321}">
-                <p14:modId xmlns:p14="http://schemas.microsoft.com/office/powerpoint/2010/main" val="2556649715"/>
-              </p:ext>
-            </p:extLst>
-          </p:nvPr>
-        </p:nvGraphicFramePr>
-        <p:xfrm>
-          <a:off x="4697260" y="1691013"/>
-          <a:ext cx="1390818" cy="4445000"/>
-        </p:xfrm>
-        <a:graphic>
-          <a:graphicData uri="http://schemas.openxmlformats.org/drawingml/2006/table">
-            <a:tbl>
-              <a:tblPr firstRow="1" bandRow="1">
-                <a:tableStyleId>{5C22544A-7EE6-4342-B048-85BDC9FD1C3A}</a:tableStyleId>
-              </a:tblPr>
-              <a:tblGrid>
-                <a:gridCol w="1390818">
-                  <a:extLst>
-                    <a:ext uri="{9D8B030D-6E8A-4147-A177-3AD203B41FA5}">
-                      <a16:colId xmlns:a16="http://schemas.microsoft.com/office/drawing/2014/main" val="2826949965"/>
-                    </a:ext>
-                  </a:extLst>
-                </a:gridCol>
-              </a:tblGrid>
-              <a:tr h="0">
-                <a:tc>
-                  <a:txBody>
-                    <a:bodyPr/>
-                    <a:lstStyle/>
-                    <a:p>
-                      <a:r>
-                        <a:rPr lang="es-ES" dirty="0"/>
-                        <a:t>Brand</a:t>
-                      </a:r>
-                    </a:p>
-                  </a:txBody>
-                  <a:tcPr/>
-                </a:tc>
-                <a:extLst>
-                  <a:ext uri="{0D108BD9-81ED-4DB2-BD59-A6C34878D82A}">
-                    <a16:rowId xmlns:a16="http://schemas.microsoft.com/office/drawing/2014/main" val="3067029796"/>
-                  </a:ext>
-                </a:extLst>
-              </a:tr>
-              <a:tr h="370840">
-                <a:tc>
-                  <a:txBody>
-                    <a:bodyPr/>
-                    <a:lstStyle/>
-                    <a:p>
-                      <a:r>
-                        <a:rPr lang="es-ES" dirty="0"/>
-                        <a:t>Audi</a:t>
-                      </a:r>
-                    </a:p>
-                  </a:txBody>
-                  <a:tcPr/>
-                </a:tc>
-                <a:extLst>
-                  <a:ext uri="{0D108BD9-81ED-4DB2-BD59-A6C34878D82A}">
-                    <a16:rowId xmlns:a16="http://schemas.microsoft.com/office/drawing/2014/main" val="3531203566"/>
-                  </a:ext>
-                </a:extLst>
-              </a:tr>
-              <a:tr h="370840">
-                <a:tc>
-                  <a:txBody>
-                    <a:bodyPr/>
-                    <a:lstStyle/>
-                    <a:p>
-                      <a:r>
-                        <a:rPr lang="es-ES" dirty="0"/>
-                        <a:t>BMW</a:t>
-                      </a:r>
-                    </a:p>
-                  </a:txBody>
-                  <a:tcPr/>
-                </a:tc>
-                <a:extLst>
-                  <a:ext uri="{0D108BD9-81ED-4DB2-BD59-A6C34878D82A}">
-                    <a16:rowId xmlns:a16="http://schemas.microsoft.com/office/drawing/2014/main" val="814847464"/>
-                  </a:ext>
-                </a:extLst>
-              </a:tr>
-              <a:tr h="741680">
-                <a:tc>
-                  <a:txBody>
-                    <a:bodyPr/>
-                    <a:lstStyle/>
-                    <a:p>
-                      <a:r>
-                        <a:rPr lang="es-ES" dirty="0"/>
-                        <a:t>Mercedes</a:t>
-                      </a:r>
-                    </a:p>
-                  </a:txBody>
-                  <a:tcPr anchor="ctr"/>
-                </a:tc>
-                <a:extLst>
-                  <a:ext uri="{0D108BD9-81ED-4DB2-BD59-A6C34878D82A}">
-                    <a16:rowId xmlns:a16="http://schemas.microsoft.com/office/drawing/2014/main" val="1186927301"/>
-                  </a:ext>
-                </a:extLst>
-              </a:tr>
-              <a:tr h="741680">
-                <a:tc>
-                  <a:txBody>
-                    <a:bodyPr/>
-                    <a:lstStyle/>
-                    <a:p>
-                      <a:r>
-                        <a:rPr lang="es-ES" dirty="0"/>
-                        <a:t>Ford</a:t>
-                      </a:r>
-                    </a:p>
-                  </a:txBody>
-                  <a:tcPr anchor="ctr"/>
-                </a:tc>
-                <a:extLst>
-                  <a:ext uri="{0D108BD9-81ED-4DB2-BD59-A6C34878D82A}">
-                    <a16:rowId xmlns:a16="http://schemas.microsoft.com/office/drawing/2014/main" val="1373284269"/>
-                  </a:ext>
-                </a:extLst>
-              </a:tr>
-              <a:tr h="370840">
-                <a:tc>
-                  <a:txBody>
-                    <a:bodyPr/>
-                    <a:lstStyle/>
-                    <a:p>
-                      <a:r>
-                        <a:rPr lang="es-ES" dirty="0" err="1"/>
-                        <a:t>Hyundi</a:t>
-                      </a:r>
-                      <a:endParaRPr lang="es-ES" dirty="0"/>
-                    </a:p>
-                  </a:txBody>
-                  <a:tcPr/>
-                </a:tc>
-                <a:extLst>
-                  <a:ext uri="{0D108BD9-81ED-4DB2-BD59-A6C34878D82A}">
-                    <a16:rowId xmlns:a16="http://schemas.microsoft.com/office/drawing/2014/main" val="3194228934"/>
-                  </a:ext>
-                </a:extLst>
-              </a:tr>
-              <a:tr h="370840">
-                <a:tc>
-                  <a:txBody>
-                    <a:bodyPr/>
-                    <a:lstStyle/>
-                    <a:p>
-                      <a:r>
-                        <a:rPr lang="es-ES" dirty="0" err="1"/>
-                        <a:t>Skoda</a:t>
-                      </a:r>
-                      <a:endParaRPr lang="es-ES" dirty="0"/>
-                    </a:p>
-                  </a:txBody>
-                  <a:tcPr/>
-                </a:tc>
-                <a:extLst>
-                  <a:ext uri="{0D108BD9-81ED-4DB2-BD59-A6C34878D82A}">
-                    <a16:rowId xmlns:a16="http://schemas.microsoft.com/office/drawing/2014/main" val="1759754382"/>
-                  </a:ext>
-                </a:extLst>
-              </a:tr>
-              <a:tr h="370840">
-                <a:tc>
-                  <a:txBody>
-                    <a:bodyPr/>
-                    <a:lstStyle/>
-                    <a:p>
-                      <a:r>
-                        <a:rPr lang="es-ES" dirty="0"/>
-                        <a:t>Toyota</a:t>
-                      </a:r>
-                    </a:p>
-                  </a:txBody>
-                  <a:tcPr/>
-                </a:tc>
-                <a:extLst>
-                  <a:ext uri="{0D108BD9-81ED-4DB2-BD59-A6C34878D82A}">
-                    <a16:rowId xmlns:a16="http://schemas.microsoft.com/office/drawing/2014/main" val="1756450146"/>
-                  </a:ext>
-                </a:extLst>
-              </a:tr>
-              <a:tr h="370840">
-                <a:tc>
-                  <a:txBody>
-                    <a:bodyPr/>
-                    <a:lstStyle/>
-                    <a:p>
-                      <a:r>
-                        <a:rPr lang="es-ES" dirty="0"/>
-                        <a:t>Vauxhall</a:t>
-                      </a:r>
-                    </a:p>
-                  </a:txBody>
-                  <a:tcPr/>
-                </a:tc>
-                <a:extLst>
-                  <a:ext uri="{0D108BD9-81ED-4DB2-BD59-A6C34878D82A}">
-                    <a16:rowId xmlns:a16="http://schemas.microsoft.com/office/drawing/2014/main" val="1065554996"/>
-                  </a:ext>
-                </a:extLst>
-              </a:tr>
-              <a:tr h="370840">
-                <a:tc>
-                  <a:txBody>
-                    <a:bodyPr/>
-                    <a:lstStyle/>
-                    <a:p>
-                      <a:r>
-                        <a:rPr lang="es-ES" dirty="0"/>
-                        <a:t>VW</a:t>
-                      </a:r>
-                    </a:p>
-                  </a:txBody>
-                  <a:tcPr/>
-                </a:tc>
-                <a:extLst>
-                  <a:ext uri="{0D108BD9-81ED-4DB2-BD59-A6C34878D82A}">
-                    <a16:rowId xmlns:a16="http://schemas.microsoft.com/office/drawing/2014/main" val="2343635583"/>
-                  </a:ext>
-                </a:extLst>
-              </a:tr>
-            </a:tbl>
-          </a:graphicData>
-        </a:graphic>
-      </p:graphicFrame>
-      <p:cxnSp>
-        <p:nvCxnSpPr>
-          <p:cNvPr id="12" name="Conector recto de flecha 11">
-            <a:extLst>
-              <a:ext uri="{FF2B5EF4-FFF2-40B4-BE49-F238E27FC236}">
-                <a16:creationId xmlns:a16="http://schemas.microsoft.com/office/drawing/2014/main" id="{C4867B2D-1443-40C6-A499-48B851448B41}"/>
-              </a:ext>
-            </a:extLst>
-          </p:cNvPr>
-          <p:cNvCxnSpPr/>
-          <p:nvPr/>
-        </p:nvCxnSpPr>
-        <p:spPr>
-          <a:xfrm flipV="1">
-            <a:off x="4265897" y="3180525"/>
-            <a:ext cx="411292" cy="10438"/>
-          </a:xfrm>
-          <a:prstGeom prst="straightConnector1">
-            <a:avLst/>
-          </a:prstGeom>
-          <a:ln w="19050">
-            <a:solidFill>
-              <a:schemeClr val="accent1">
-                <a:lumMod val="75000"/>
-              </a:schemeClr>
-            </a:solidFill>
-            <a:tailEnd type="triangle"/>
-          </a:ln>
-        </p:spPr>
-        <p:style>
-          <a:lnRef idx="1">
-            <a:schemeClr val="accent1"/>
-          </a:lnRef>
-          <a:fillRef idx="0">
-            <a:schemeClr val="accent1"/>
-          </a:fillRef>
-          <a:effectRef idx="0">
-            <a:schemeClr val="accent1"/>
-          </a:effectRef>
-          <a:fontRef idx="minor">
-            <a:schemeClr val="tx1"/>
-          </a:fontRef>
-        </p:style>
-      </p:cxnSp>
-      <p:sp>
-        <p:nvSpPr>
-          <p:cNvPr id="14" name="Flecha: a la derecha 13">
-            <a:extLst>
-              <a:ext uri="{FF2B5EF4-FFF2-40B4-BE49-F238E27FC236}">
-                <a16:creationId xmlns:a16="http://schemas.microsoft.com/office/drawing/2014/main" id="{269123BC-043C-4930-B67B-3039535A2964}"/>
-              </a:ext>
-            </a:extLst>
-          </p:cNvPr>
-          <p:cNvSpPr/>
-          <p:nvPr/>
-        </p:nvSpPr>
-        <p:spPr>
-          <a:xfrm>
-            <a:off x="7711028" y="3190717"/>
-            <a:ext cx="939738" cy="760730"/>
-          </a:xfrm>
-          <a:prstGeom prst="rightArrow">
-            <a:avLst/>
-          </a:prstGeom>
-          <a:solidFill>
-            <a:schemeClr val="accent1">
-              <a:lumMod val="40000"/>
-              <a:lumOff val="60000"/>
-            </a:schemeClr>
-          </a:solidFill>
-          <a:ln>
-            <a:noFill/>
-          </a:ln>
-        </p:spPr>
-        <p:style>
-          <a:lnRef idx="2">
-            <a:schemeClr val="accent1">
-              <a:shade val="50000"/>
-            </a:schemeClr>
-          </a:lnRef>
-          <a:fillRef idx="1">
-            <a:schemeClr val="accent1"/>
-          </a:fillRef>
-          <a:effectRef idx="0">
-            <a:schemeClr val="accent1"/>
-          </a:effectRef>
-          <a:fontRef idx="minor">
-            <a:schemeClr val="lt1"/>
-          </a:fontRef>
-        </p:style>
-        <p:txBody>
-          <a:bodyPr rtlCol="0" anchor="ctr"/>
-          <a:lstStyle/>
-          <a:p>
-            <a:pPr algn="ctr"/>
-            <a:endParaRPr lang="es-ES"/>
-          </a:p>
-        </p:txBody>
-      </p:sp>
-      <p:graphicFrame>
-        <p:nvGraphicFramePr>
-          <p:cNvPr id="15" name="Tabla 15">
-            <a:extLst>
-              <a:ext uri="{FF2B5EF4-FFF2-40B4-BE49-F238E27FC236}">
-                <a16:creationId xmlns:a16="http://schemas.microsoft.com/office/drawing/2014/main" id="{93244E14-C7AD-4FFD-99BE-86552C075D27}"/>
-              </a:ext>
-            </a:extLst>
-          </p:cNvPr>
-          <p:cNvGraphicFramePr>
-            <a:graphicFrameLocks noGrp="1"/>
-          </p:cNvGraphicFramePr>
-          <p:nvPr/>
-        </p:nvGraphicFramePr>
-        <p:xfrm>
-          <a:off x="9804620" y="2735422"/>
-          <a:ext cx="1812984" cy="1483360"/>
-        </p:xfrm>
-        <a:graphic>
-          <a:graphicData uri="http://schemas.openxmlformats.org/drawingml/2006/table">
-            <a:tbl>
-              <a:tblPr firstRow="1" bandRow="1">
-                <a:tableStyleId>{5C22544A-7EE6-4342-B048-85BDC9FD1C3A}</a:tableStyleId>
-              </a:tblPr>
-              <a:tblGrid>
-                <a:gridCol w="302164">
-                  <a:extLst>
-                    <a:ext uri="{9D8B030D-6E8A-4147-A177-3AD203B41FA5}">
-                      <a16:colId xmlns:a16="http://schemas.microsoft.com/office/drawing/2014/main" val="4205425216"/>
-                    </a:ext>
-                  </a:extLst>
-                </a:gridCol>
-                <a:gridCol w="302164">
-                  <a:extLst>
-                    <a:ext uri="{9D8B030D-6E8A-4147-A177-3AD203B41FA5}">
-                      <a16:colId xmlns:a16="http://schemas.microsoft.com/office/drawing/2014/main" val="2378616990"/>
-                    </a:ext>
-                  </a:extLst>
-                </a:gridCol>
-                <a:gridCol w="302164">
-                  <a:extLst>
-                    <a:ext uri="{9D8B030D-6E8A-4147-A177-3AD203B41FA5}">
-                      <a16:colId xmlns:a16="http://schemas.microsoft.com/office/drawing/2014/main" val="1386987852"/>
-                    </a:ext>
-                  </a:extLst>
-                </a:gridCol>
-                <a:gridCol w="302164">
-                  <a:extLst>
-                    <a:ext uri="{9D8B030D-6E8A-4147-A177-3AD203B41FA5}">
-                      <a16:colId xmlns:a16="http://schemas.microsoft.com/office/drawing/2014/main" val="499311814"/>
-                    </a:ext>
-                  </a:extLst>
-                </a:gridCol>
-                <a:gridCol w="302164">
-                  <a:extLst>
-                    <a:ext uri="{9D8B030D-6E8A-4147-A177-3AD203B41FA5}">
-                      <a16:colId xmlns:a16="http://schemas.microsoft.com/office/drawing/2014/main" val="1287231851"/>
-                    </a:ext>
-                  </a:extLst>
-                </a:gridCol>
-                <a:gridCol w="302164">
-                  <a:extLst>
-                    <a:ext uri="{9D8B030D-6E8A-4147-A177-3AD203B41FA5}">
-                      <a16:colId xmlns:a16="http://schemas.microsoft.com/office/drawing/2014/main" val="1911845398"/>
-                    </a:ext>
-                  </a:extLst>
-                </a:gridCol>
-              </a:tblGrid>
-              <a:tr h="370840">
-                <a:tc>
-                  <a:txBody>
-                    <a:bodyPr/>
-                    <a:lstStyle/>
-                    <a:p>
-                      <a:endParaRPr lang="es-ES"/>
-                    </a:p>
-                  </a:txBody>
-                  <a:tcPr/>
-                </a:tc>
-                <a:tc>
-                  <a:txBody>
-                    <a:bodyPr/>
-                    <a:lstStyle/>
-                    <a:p>
-                      <a:endParaRPr lang="es-ES" dirty="0"/>
-                    </a:p>
-                  </a:txBody>
-                  <a:tcPr/>
-                </a:tc>
-                <a:tc>
-                  <a:txBody>
-                    <a:bodyPr/>
-                    <a:lstStyle/>
-                    <a:p>
-                      <a:endParaRPr lang="es-ES"/>
-                    </a:p>
-                  </a:txBody>
-                  <a:tcPr/>
-                </a:tc>
-                <a:tc>
-                  <a:txBody>
-                    <a:bodyPr/>
-                    <a:lstStyle/>
-                    <a:p>
-                      <a:endParaRPr lang="es-ES"/>
-                    </a:p>
-                  </a:txBody>
-                  <a:tcPr/>
-                </a:tc>
-                <a:tc>
-                  <a:txBody>
-                    <a:bodyPr/>
-                    <a:lstStyle/>
-                    <a:p>
-                      <a:endParaRPr lang="es-ES"/>
-                    </a:p>
-                  </a:txBody>
-                  <a:tcPr/>
-                </a:tc>
-                <a:tc>
-                  <a:txBody>
-                    <a:bodyPr/>
-                    <a:lstStyle/>
-                    <a:p>
-                      <a:endParaRPr lang="es-ES"/>
-                    </a:p>
-                  </a:txBody>
-                  <a:tcPr/>
-                </a:tc>
-                <a:extLst>
-                  <a:ext uri="{0D108BD9-81ED-4DB2-BD59-A6C34878D82A}">
-                    <a16:rowId xmlns:a16="http://schemas.microsoft.com/office/drawing/2014/main" val="1597212998"/>
-                  </a:ext>
-                </a:extLst>
-              </a:tr>
-              <a:tr h="370840">
-                <a:tc>
-                  <a:txBody>
-                    <a:bodyPr/>
-                    <a:lstStyle/>
-                    <a:p>
-                      <a:endParaRPr lang="es-ES"/>
-                    </a:p>
-                  </a:txBody>
-                  <a:tcPr/>
-                </a:tc>
-                <a:tc>
-                  <a:txBody>
-                    <a:bodyPr/>
-                    <a:lstStyle/>
-                    <a:p>
-                      <a:endParaRPr lang="es-ES"/>
-                    </a:p>
-                  </a:txBody>
-                  <a:tcPr/>
-                </a:tc>
-                <a:tc>
-                  <a:txBody>
-                    <a:bodyPr/>
-                    <a:lstStyle/>
-                    <a:p>
-                      <a:endParaRPr lang="es-ES"/>
-                    </a:p>
-                  </a:txBody>
-                  <a:tcPr/>
-                </a:tc>
-                <a:tc>
-                  <a:txBody>
-                    <a:bodyPr/>
-                    <a:lstStyle/>
-                    <a:p>
-                      <a:endParaRPr lang="es-ES"/>
-                    </a:p>
-                  </a:txBody>
-                  <a:tcPr/>
-                </a:tc>
-                <a:tc>
-                  <a:txBody>
-                    <a:bodyPr/>
-                    <a:lstStyle/>
-                    <a:p>
-                      <a:endParaRPr lang="es-ES"/>
-                    </a:p>
-                  </a:txBody>
-                  <a:tcPr/>
-                </a:tc>
-                <a:tc>
-                  <a:txBody>
-                    <a:bodyPr/>
-                    <a:lstStyle/>
-                    <a:p>
-                      <a:endParaRPr lang="es-ES"/>
-                    </a:p>
-                  </a:txBody>
-                  <a:tcPr/>
-                </a:tc>
-                <a:extLst>
-                  <a:ext uri="{0D108BD9-81ED-4DB2-BD59-A6C34878D82A}">
-                    <a16:rowId xmlns:a16="http://schemas.microsoft.com/office/drawing/2014/main" val="3632973103"/>
-                  </a:ext>
-                </a:extLst>
-              </a:tr>
-              <a:tr h="370840">
-                <a:tc>
-                  <a:txBody>
-                    <a:bodyPr/>
-                    <a:lstStyle/>
-                    <a:p>
-                      <a:endParaRPr lang="es-ES"/>
-                    </a:p>
-                  </a:txBody>
-                  <a:tcPr/>
-                </a:tc>
-                <a:tc>
-                  <a:txBody>
-                    <a:bodyPr/>
-                    <a:lstStyle/>
-                    <a:p>
-                      <a:endParaRPr lang="es-ES"/>
-                    </a:p>
-                  </a:txBody>
-                  <a:tcPr/>
-                </a:tc>
-                <a:tc>
-                  <a:txBody>
-                    <a:bodyPr/>
-                    <a:lstStyle/>
-                    <a:p>
-                      <a:endParaRPr lang="es-ES"/>
-                    </a:p>
-                  </a:txBody>
-                  <a:tcPr/>
-                </a:tc>
-                <a:tc>
-                  <a:txBody>
-                    <a:bodyPr/>
-                    <a:lstStyle/>
-                    <a:p>
-                      <a:endParaRPr lang="es-ES"/>
-                    </a:p>
-                  </a:txBody>
-                  <a:tcPr/>
-                </a:tc>
-                <a:tc>
-                  <a:txBody>
-                    <a:bodyPr/>
-                    <a:lstStyle/>
-                    <a:p>
-                      <a:endParaRPr lang="es-ES"/>
-                    </a:p>
-                  </a:txBody>
-                  <a:tcPr/>
-                </a:tc>
-                <a:tc>
-                  <a:txBody>
-                    <a:bodyPr/>
-                    <a:lstStyle/>
-                    <a:p>
-                      <a:endParaRPr lang="es-ES"/>
-                    </a:p>
-                  </a:txBody>
-                  <a:tcPr/>
-                </a:tc>
-                <a:extLst>
-                  <a:ext uri="{0D108BD9-81ED-4DB2-BD59-A6C34878D82A}">
-                    <a16:rowId xmlns:a16="http://schemas.microsoft.com/office/drawing/2014/main" val="3685555768"/>
-                  </a:ext>
-                </a:extLst>
-              </a:tr>
-              <a:tr h="370840">
-                <a:tc>
-                  <a:txBody>
-                    <a:bodyPr/>
-                    <a:lstStyle/>
-                    <a:p>
-                      <a:endParaRPr lang="es-ES"/>
-                    </a:p>
-                  </a:txBody>
-                  <a:tcPr/>
-                </a:tc>
-                <a:tc>
-                  <a:txBody>
-                    <a:bodyPr/>
-                    <a:lstStyle/>
-                    <a:p>
-                      <a:endParaRPr lang="es-ES"/>
-                    </a:p>
-                  </a:txBody>
-                  <a:tcPr/>
-                </a:tc>
-                <a:tc>
-                  <a:txBody>
-                    <a:bodyPr/>
-                    <a:lstStyle/>
-                    <a:p>
-                      <a:endParaRPr lang="es-ES"/>
-                    </a:p>
-                  </a:txBody>
-                  <a:tcPr/>
-                </a:tc>
-                <a:tc>
-                  <a:txBody>
-                    <a:bodyPr/>
-                    <a:lstStyle/>
-                    <a:p>
-                      <a:endParaRPr lang="es-ES"/>
-                    </a:p>
-                  </a:txBody>
-                  <a:tcPr/>
-                </a:tc>
-                <a:tc>
-                  <a:txBody>
-                    <a:bodyPr/>
-                    <a:lstStyle/>
-                    <a:p>
-                      <a:endParaRPr lang="es-ES"/>
-                    </a:p>
-                  </a:txBody>
-                  <a:tcPr/>
-                </a:tc>
-                <a:tc>
-                  <a:txBody>
-                    <a:bodyPr/>
-                    <a:lstStyle/>
-                    <a:p>
-                      <a:endParaRPr lang="es-ES" dirty="0"/>
-                    </a:p>
-                  </a:txBody>
-                  <a:tcPr/>
-                </a:tc>
-                <a:extLst>
-                  <a:ext uri="{0D108BD9-81ED-4DB2-BD59-A6C34878D82A}">
-                    <a16:rowId xmlns:a16="http://schemas.microsoft.com/office/drawing/2014/main" val="2505464971"/>
-                  </a:ext>
-                </a:extLst>
-              </a:tr>
-            </a:tbl>
-          </a:graphicData>
-        </a:graphic>
-      </p:graphicFrame>
-      <p:cxnSp>
-        <p:nvCxnSpPr>
-          <p:cNvPr id="17" name="Conector recto de flecha 16">
-            <a:extLst>
-              <a:ext uri="{FF2B5EF4-FFF2-40B4-BE49-F238E27FC236}">
-                <a16:creationId xmlns:a16="http://schemas.microsoft.com/office/drawing/2014/main" id="{CB9414CF-79C6-44AB-9217-FA39A7F1D557}"/>
-              </a:ext>
-            </a:extLst>
-          </p:cNvPr>
-          <p:cNvCxnSpPr/>
-          <p:nvPr/>
-        </p:nvCxnSpPr>
-        <p:spPr>
-          <a:xfrm>
-            <a:off x="9668703" y="2800350"/>
-            <a:ext cx="0" cy="1351280"/>
-          </a:xfrm>
-          <a:prstGeom prst="straightConnector1">
-            <a:avLst/>
-          </a:prstGeom>
-          <a:ln>
-            <a:headEnd type="triangle"/>
-            <a:tailEnd type="triangle"/>
-          </a:ln>
-        </p:spPr>
-        <p:style>
-          <a:lnRef idx="1">
-            <a:schemeClr val="accent1"/>
-          </a:lnRef>
-          <a:fillRef idx="0">
-            <a:schemeClr val="accent1"/>
-          </a:fillRef>
-          <a:effectRef idx="0">
-            <a:schemeClr val="accent1"/>
-          </a:effectRef>
-          <a:fontRef idx="minor">
-            <a:schemeClr val="tx1"/>
-          </a:fontRef>
-        </p:style>
-      </p:cxnSp>
-      <p:cxnSp>
-        <p:nvCxnSpPr>
-          <p:cNvPr id="18" name="Conector recto de flecha 17">
-            <a:extLst>
-              <a:ext uri="{FF2B5EF4-FFF2-40B4-BE49-F238E27FC236}">
-                <a16:creationId xmlns:a16="http://schemas.microsoft.com/office/drawing/2014/main" id="{088FEBA4-69F2-43B3-A1AA-ED58BE18F636}"/>
-              </a:ext>
-            </a:extLst>
-          </p:cNvPr>
-          <p:cNvCxnSpPr>
-            <a:cxnSpLocks/>
-          </p:cNvCxnSpPr>
-          <p:nvPr/>
-        </p:nvCxnSpPr>
-        <p:spPr>
-          <a:xfrm>
-            <a:off x="9804620" y="2612748"/>
-            <a:ext cx="1714502" cy="0"/>
-          </a:xfrm>
-          <a:prstGeom prst="straightConnector1">
-            <a:avLst/>
-          </a:prstGeom>
-          <a:ln>
-            <a:headEnd type="triangle"/>
-            <a:tailEnd type="triangle"/>
-          </a:ln>
-        </p:spPr>
-        <p:style>
-          <a:lnRef idx="1">
-            <a:schemeClr val="accent1"/>
-          </a:lnRef>
-          <a:fillRef idx="0">
-            <a:schemeClr val="accent1"/>
-          </a:fillRef>
-          <a:effectRef idx="0">
-            <a:schemeClr val="accent1"/>
-          </a:effectRef>
-          <a:fontRef idx="minor">
-            <a:schemeClr val="tx1"/>
-          </a:fontRef>
-        </p:style>
-      </p:cxnSp>
-      <p:sp>
-        <p:nvSpPr>
-          <p:cNvPr id="22" name="CuadroTexto 21">
-            <a:extLst>
-              <a:ext uri="{FF2B5EF4-FFF2-40B4-BE49-F238E27FC236}">
-                <a16:creationId xmlns:a16="http://schemas.microsoft.com/office/drawing/2014/main" id="{0027D464-5DD9-410C-B866-5E36EC5551C6}"/>
-              </a:ext>
-            </a:extLst>
-          </p:cNvPr>
-          <p:cNvSpPr txBox="1"/>
-          <p:nvPr/>
-        </p:nvSpPr>
-        <p:spPr>
-          <a:xfrm>
-            <a:off x="8838412" y="3387508"/>
-            <a:ext cx="942975" cy="367148"/>
-          </a:xfrm>
-          <a:prstGeom prst="rect">
-            <a:avLst/>
-          </a:prstGeom>
-          <a:noFill/>
-        </p:spPr>
-        <p:txBody>
-          <a:bodyPr wrap="square">
-            <a:spAutoFit/>
-          </a:bodyPr>
-          <a:lstStyle/>
-          <a:p>
-            <a:r>
-              <a:rPr lang="es-ES" sz="1800" b="0" i="0" kern="1200" dirty="0">
-                <a:solidFill>
-                  <a:schemeClr val="dk1"/>
-                </a:solidFill>
-                <a:effectLst/>
-                <a:latin typeface="+mn-lt"/>
-                <a:ea typeface="+mn-ea"/>
-                <a:cs typeface="+mn-cs"/>
-              </a:rPr>
-              <a:t>108540</a:t>
-            </a:r>
-            <a:endParaRPr lang="es-ES" dirty="0"/>
-          </a:p>
-        </p:txBody>
-      </p:sp>
-      <p:sp>
-        <p:nvSpPr>
-          <p:cNvPr id="24" name="CuadroTexto 23">
-            <a:extLst>
-              <a:ext uri="{FF2B5EF4-FFF2-40B4-BE49-F238E27FC236}">
-                <a16:creationId xmlns:a16="http://schemas.microsoft.com/office/drawing/2014/main" id="{6BDF3969-7268-4371-B7E0-E9DEACFA9923}"/>
-              </a:ext>
-            </a:extLst>
-          </p:cNvPr>
-          <p:cNvSpPr txBox="1"/>
-          <p:nvPr/>
-        </p:nvSpPr>
-        <p:spPr>
-          <a:xfrm>
-            <a:off x="10506904" y="2252838"/>
-            <a:ext cx="416201" cy="369332"/>
-          </a:xfrm>
-          <a:prstGeom prst="rect">
-            <a:avLst/>
-          </a:prstGeom>
-          <a:noFill/>
-        </p:spPr>
-        <p:txBody>
-          <a:bodyPr wrap="square">
-            <a:spAutoFit/>
-          </a:bodyPr>
-          <a:lstStyle/>
-          <a:p>
-            <a:r>
-              <a:rPr lang="es-ES" sz="1800" b="0" i="0" kern="1200" dirty="0">
-                <a:solidFill>
-                  <a:schemeClr val="dk1"/>
-                </a:solidFill>
-                <a:effectLst/>
-                <a:latin typeface="+mn-lt"/>
-                <a:ea typeface="+mn-ea"/>
-                <a:cs typeface="+mn-cs"/>
-              </a:rPr>
-              <a:t>10</a:t>
-            </a:r>
-            <a:endParaRPr lang="es-ES" dirty="0"/>
-          </a:p>
-        </p:txBody>
-      </p:sp>
-      <p:sp>
-        <p:nvSpPr>
-          <p:cNvPr id="26" name="CuadroTexto 25">
-            <a:extLst>
-              <a:ext uri="{FF2B5EF4-FFF2-40B4-BE49-F238E27FC236}">
-                <a16:creationId xmlns:a16="http://schemas.microsoft.com/office/drawing/2014/main" id="{38281E3C-5093-403E-BFE2-6C75BDF89F8D}"/>
-              </a:ext>
-            </a:extLst>
-          </p:cNvPr>
-          <p:cNvSpPr txBox="1"/>
-          <p:nvPr/>
-        </p:nvSpPr>
-        <p:spPr>
-          <a:xfrm>
-            <a:off x="10234862" y="1861804"/>
-            <a:ext cx="952499" cy="383576"/>
-          </a:xfrm>
-          <a:prstGeom prst="rect">
-            <a:avLst/>
-          </a:prstGeom>
-          <a:noFill/>
-        </p:spPr>
-        <p:txBody>
-          <a:bodyPr wrap="square">
-            <a:spAutoFit/>
-          </a:bodyPr>
-          <a:lstStyle/>
-          <a:p>
-            <a:r>
-              <a:rPr lang="es-ES" b="1" dirty="0" err="1">
-                <a:solidFill>
-                  <a:schemeClr val="tx1"/>
-                </a:solidFill>
-              </a:rPr>
-              <a:t>Dataset</a:t>
-            </a:r>
-            <a:endParaRPr lang="es-ES" b="1" dirty="0"/>
-          </a:p>
-        </p:txBody>
-      </p:sp>
-      <p:cxnSp>
-        <p:nvCxnSpPr>
-          <p:cNvPr id="19" name="Conector recto de flecha 18">
-            <a:extLst>
-              <a:ext uri="{FF2B5EF4-FFF2-40B4-BE49-F238E27FC236}">
-                <a16:creationId xmlns:a16="http://schemas.microsoft.com/office/drawing/2014/main" id="{25C3188A-97EB-4649-960D-12725F2C338B}"/>
-              </a:ext>
-            </a:extLst>
-          </p:cNvPr>
-          <p:cNvCxnSpPr>
-            <a:cxnSpLocks/>
-          </p:cNvCxnSpPr>
-          <p:nvPr/>
-        </p:nvCxnSpPr>
-        <p:spPr>
-          <a:xfrm flipV="1">
-            <a:off x="4265896" y="3942524"/>
-            <a:ext cx="411292" cy="10438"/>
-          </a:xfrm>
-          <a:prstGeom prst="straightConnector1">
-            <a:avLst/>
-          </a:prstGeom>
-          <a:ln w="19050">
-            <a:solidFill>
-              <a:schemeClr val="accent1">
-                <a:lumMod val="75000"/>
-              </a:schemeClr>
-            </a:solidFill>
-            <a:tailEnd type="triangle"/>
-          </a:ln>
-        </p:spPr>
-        <p:style>
-          <a:lnRef idx="1">
-            <a:schemeClr val="accent1"/>
-          </a:lnRef>
-          <a:fillRef idx="0">
-            <a:schemeClr val="accent1"/>
-          </a:fillRef>
-          <a:effectRef idx="0">
-            <a:schemeClr val="accent1"/>
-          </a:effectRef>
-          <a:fontRef idx="minor">
-            <a:schemeClr val="tx1"/>
-          </a:fontRef>
-        </p:style>
-      </p:cxnSp>
-    </p:spTree>
-    <p:extLst>
-      <p:ext uri="{BB962C8B-B14F-4D97-AF65-F5344CB8AC3E}">
-        <p14:creationId xmlns:p14="http://schemas.microsoft.com/office/powerpoint/2010/main" val="2532470707"/>
-      </p:ext>
-    </p:extLst>
-  </p:cSld>
-  <p:clrMapOvr>
-    <a:masterClrMapping/>
-  </p:clrMapOvr>
-</p:sld>
-</file>
-
-<file path=ppt/slides/slide20.xml><?xml version="1.0" encoding="utf-8"?>
+<file path=ppt/slides/slide21.xml><?xml version="1.0" encoding="utf-8"?>
 <p:sld xmlns:a="http://schemas.openxmlformats.org/drawingml/2006/main" xmlns:r="http://schemas.openxmlformats.org/officeDocument/2006/relationships" xmlns:p="http://schemas.openxmlformats.org/presentationml/2006/main">
   <p:cSld>
     <p:bg>
@@ -17256,6 +16060,1769 @@
         </p:nvSpPr>
         <p:spPr>
           <a:xfrm>
+            <a:off x="609601" y="311968"/>
+            <a:ext cx="7269271" cy="761893"/>
+          </a:xfrm>
+        </p:spPr>
+        <p:txBody>
+          <a:bodyPr>
+            <a:normAutofit fontScale="90000"/>
+          </a:bodyPr>
+          <a:lstStyle/>
+          <a:p>
+            <a:r>
+              <a:rPr lang="es-ES" dirty="0"/>
+              <a:t>Preprocesamiento de los datos (I)</a:t>
+            </a:r>
+          </a:p>
+        </p:txBody>
+      </p:sp>
+      <p:graphicFrame>
+        <p:nvGraphicFramePr>
+          <p:cNvPr id="4" name="Tabla 4">
+            <a:extLst>
+              <a:ext uri="{FF2B5EF4-FFF2-40B4-BE49-F238E27FC236}">
+                <a16:creationId xmlns:a16="http://schemas.microsoft.com/office/drawing/2014/main" id="{9BF34966-99B3-482A-B7F5-1BC4EF6C72C0}"/>
+              </a:ext>
+            </a:extLst>
+          </p:cNvPr>
+          <p:cNvGraphicFramePr>
+            <a:graphicFrameLocks noGrp="1"/>
+          </p:cNvGraphicFramePr>
+          <p:nvPr>
+            <p:ph idx="1"/>
+          </p:nvPr>
+        </p:nvGraphicFramePr>
+        <p:xfrm>
+          <a:off x="609601" y="1419014"/>
+          <a:ext cx="3429000" cy="4719320"/>
+        </p:xfrm>
+        <a:graphic>
+          <a:graphicData uri="http://schemas.openxmlformats.org/drawingml/2006/table">
+            <a:tbl>
+              <a:tblPr firstRow="1" bandRow="1">
+                <a:tableStyleId>{93296810-A885-4BE3-A3E7-6D5BEEA58F35}</a:tableStyleId>
+              </a:tblPr>
+              <a:tblGrid>
+                <a:gridCol w="1838324">
+                  <a:extLst>
+                    <a:ext uri="{9D8B030D-6E8A-4147-A177-3AD203B41FA5}">
+                      <a16:colId xmlns:a16="http://schemas.microsoft.com/office/drawing/2014/main" val="2915807712"/>
+                    </a:ext>
+                  </a:extLst>
+                </a:gridCol>
+                <a:gridCol w="1590676">
+                  <a:extLst>
+                    <a:ext uri="{9D8B030D-6E8A-4147-A177-3AD203B41FA5}">
+                      <a16:colId xmlns:a16="http://schemas.microsoft.com/office/drawing/2014/main" val="2565032266"/>
+                    </a:ext>
+                  </a:extLst>
+                </a:gridCol>
+              </a:tblGrid>
+              <a:tr h="370840">
+                <a:tc>
+                  <a:txBody>
+                    <a:bodyPr/>
+                    <a:lstStyle/>
+                    <a:p>
+                      <a:r>
+                        <a:rPr lang="es-ES" dirty="0"/>
+                        <a:t>Nombre fichero</a:t>
+                      </a:r>
+                    </a:p>
+                  </a:txBody>
+                  <a:tcPr/>
+                </a:tc>
+                <a:tc>
+                  <a:txBody>
+                    <a:bodyPr/>
+                    <a:lstStyle/>
+                    <a:p>
+                      <a:r>
+                        <a:rPr lang="es-ES" dirty="0" err="1"/>
+                        <a:t>Núm</a:t>
+                      </a:r>
+                      <a:r>
+                        <a:rPr lang="es-ES" dirty="0"/>
+                        <a:t> coches x </a:t>
+                      </a:r>
+                      <a:r>
+                        <a:rPr lang="es-ES" dirty="0" err="1"/>
+                        <a:t>Features</a:t>
+                      </a:r>
+                      <a:endParaRPr lang="es-ES" dirty="0"/>
+                    </a:p>
+                  </a:txBody>
+                  <a:tcPr/>
+                </a:tc>
+                <a:extLst>
+                  <a:ext uri="{0D108BD9-81ED-4DB2-BD59-A6C34878D82A}">
+                    <a16:rowId xmlns:a16="http://schemas.microsoft.com/office/drawing/2014/main" val="294767772"/>
+                  </a:ext>
+                </a:extLst>
+              </a:tr>
+              <a:tr h="370840">
+                <a:tc>
+                  <a:txBody>
+                    <a:bodyPr/>
+                    <a:lstStyle/>
+                    <a:p>
+                      <a:r>
+                        <a:rPr lang="es-ES" dirty="0"/>
+                        <a:t>Audi.csv</a:t>
+                      </a:r>
+                    </a:p>
+                  </a:txBody>
+                  <a:tcPr/>
+                </a:tc>
+                <a:tc>
+                  <a:txBody>
+                    <a:bodyPr/>
+                    <a:lstStyle/>
+                    <a:p>
+                      <a:pPr algn="r"/>
+                      <a:r>
+                        <a:rPr lang="es-ES" dirty="0"/>
+                        <a:t>10668 x 9</a:t>
+                      </a:r>
+                    </a:p>
+                  </a:txBody>
+                  <a:tcPr/>
+                </a:tc>
+                <a:extLst>
+                  <a:ext uri="{0D108BD9-81ED-4DB2-BD59-A6C34878D82A}">
+                    <a16:rowId xmlns:a16="http://schemas.microsoft.com/office/drawing/2014/main" val="2545464344"/>
+                  </a:ext>
+                </a:extLst>
+              </a:tr>
+              <a:tr h="370840">
+                <a:tc>
+                  <a:txBody>
+                    <a:bodyPr/>
+                    <a:lstStyle/>
+                    <a:p>
+                      <a:r>
+                        <a:rPr lang="es-ES" dirty="0"/>
+                        <a:t>Bmw.csv</a:t>
+                      </a:r>
+                    </a:p>
+                  </a:txBody>
+                  <a:tcPr/>
+                </a:tc>
+                <a:tc>
+                  <a:txBody>
+                    <a:bodyPr/>
+                    <a:lstStyle/>
+                    <a:p>
+                      <a:pPr algn="r"/>
+                      <a:r>
+                        <a:rPr lang="es-ES" dirty="0"/>
+                        <a:t>10781 x 9</a:t>
+                      </a:r>
+                    </a:p>
+                  </a:txBody>
+                  <a:tcPr/>
+                </a:tc>
+                <a:extLst>
+                  <a:ext uri="{0D108BD9-81ED-4DB2-BD59-A6C34878D82A}">
+                    <a16:rowId xmlns:a16="http://schemas.microsoft.com/office/drawing/2014/main" val="1007194803"/>
+                  </a:ext>
+                </a:extLst>
+              </a:tr>
+              <a:tr h="370840">
+                <a:tc>
+                  <a:txBody>
+                    <a:bodyPr/>
+                    <a:lstStyle/>
+                    <a:p>
+                      <a:pPr marL="0" marR="0" lvl="0" indent="0" algn="l" defTabSz="914400" rtl="0" eaLnBrk="1" fontAlgn="auto" latinLnBrk="0" hangingPunct="1">
+                        <a:lnSpc>
+                          <a:spcPct val="100000"/>
+                        </a:lnSpc>
+                        <a:spcBef>
+                          <a:spcPts val="0"/>
+                        </a:spcBef>
+                        <a:spcAft>
+                          <a:spcPts val="0"/>
+                        </a:spcAft>
+                        <a:buClrTx/>
+                        <a:buSzTx/>
+                        <a:buFontTx/>
+                        <a:buNone/>
+                        <a:tabLst/>
+                        <a:defRPr/>
+                      </a:pPr>
+                      <a:r>
+                        <a:rPr lang="es-ES" dirty="0"/>
+                        <a:t>Cclass.csv</a:t>
+                      </a:r>
+                    </a:p>
+                  </a:txBody>
+                  <a:tcPr/>
+                </a:tc>
+                <a:tc>
+                  <a:txBody>
+                    <a:bodyPr/>
+                    <a:lstStyle/>
+                    <a:p>
+                      <a:pPr algn="r"/>
+                      <a:r>
+                        <a:rPr lang="es-ES" dirty="0"/>
+                        <a:t>3899 x 7</a:t>
+                      </a:r>
+                    </a:p>
+                  </a:txBody>
+                  <a:tcPr/>
+                </a:tc>
+                <a:extLst>
+                  <a:ext uri="{0D108BD9-81ED-4DB2-BD59-A6C34878D82A}">
+                    <a16:rowId xmlns:a16="http://schemas.microsoft.com/office/drawing/2014/main" val="3960902401"/>
+                  </a:ext>
+                </a:extLst>
+              </a:tr>
+              <a:tr h="370840">
+                <a:tc>
+                  <a:txBody>
+                    <a:bodyPr/>
+                    <a:lstStyle/>
+                    <a:p>
+                      <a:pPr marL="0" marR="0" lvl="0" indent="0" algn="l" defTabSz="914400" rtl="0" eaLnBrk="1" fontAlgn="auto" latinLnBrk="0" hangingPunct="1">
+                        <a:lnSpc>
+                          <a:spcPct val="100000"/>
+                        </a:lnSpc>
+                        <a:spcBef>
+                          <a:spcPts val="0"/>
+                        </a:spcBef>
+                        <a:spcAft>
+                          <a:spcPts val="0"/>
+                        </a:spcAft>
+                        <a:buClrTx/>
+                        <a:buSzTx/>
+                        <a:buFontTx/>
+                        <a:buNone/>
+                        <a:tabLst/>
+                        <a:defRPr/>
+                      </a:pPr>
+                      <a:r>
+                        <a:rPr lang="es-ES" dirty="0"/>
+                        <a:t>Merc.csv</a:t>
+                      </a:r>
+                    </a:p>
+                  </a:txBody>
+                  <a:tcPr/>
+                </a:tc>
+                <a:tc>
+                  <a:txBody>
+                    <a:bodyPr/>
+                    <a:lstStyle/>
+                    <a:p>
+                      <a:pPr algn="r"/>
+                      <a:r>
+                        <a:rPr lang="es-ES" dirty="0"/>
+                        <a:t>13119 x 9</a:t>
+                      </a:r>
+                    </a:p>
+                  </a:txBody>
+                  <a:tcPr/>
+                </a:tc>
+                <a:extLst>
+                  <a:ext uri="{0D108BD9-81ED-4DB2-BD59-A6C34878D82A}">
+                    <a16:rowId xmlns:a16="http://schemas.microsoft.com/office/drawing/2014/main" val="326215553"/>
+                  </a:ext>
+                </a:extLst>
+              </a:tr>
+              <a:tr h="370840">
+                <a:tc>
+                  <a:txBody>
+                    <a:bodyPr/>
+                    <a:lstStyle/>
+                    <a:p>
+                      <a:r>
+                        <a:rPr lang="es-ES" dirty="0"/>
+                        <a:t>Ford.csv</a:t>
+                      </a:r>
+                    </a:p>
+                  </a:txBody>
+                  <a:tcPr/>
+                </a:tc>
+                <a:tc>
+                  <a:txBody>
+                    <a:bodyPr/>
+                    <a:lstStyle/>
+                    <a:p>
+                      <a:pPr algn="r"/>
+                      <a:r>
+                        <a:rPr lang="es-ES" dirty="0"/>
+                        <a:t>17965 x 9</a:t>
+                      </a:r>
+                    </a:p>
+                  </a:txBody>
+                  <a:tcPr/>
+                </a:tc>
+                <a:extLst>
+                  <a:ext uri="{0D108BD9-81ED-4DB2-BD59-A6C34878D82A}">
+                    <a16:rowId xmlns:a16="http://schemas.microsoft.com/office/drawing/2014/main" val="2242830219"/>
+                  </a:ext>
+                </a:extLst>
+              </a:tr>
+              <a:tr h="370840">
+                <a:tc>
+                  <a:txBody>
+                    <a:bodyPr/>
+                    <a:lstStyle/>
+                    <a:p>
+                      <a:r>
+                        <a:rPr lang="es-ES" dirty="0"/>
+                        <a:t>Focus.csv</a:t>
+                      </a:r>
+                    </a:p>
+                  </a:txBody>
+                  <a:tcPr/>
+                </a:tc>
+                <a:tc>
+                  <a:txBody>
+                    <a:bodyPr/>
+                    <a:lstStyle/>
+                    <a:p>
+                      <a:pPr algn="r"/>
+                      <a:r>
+                        <a:rPr lang="es-ES" dirty="0"/>
+                        <a:t>5454 x 7</a:t>
+                      </a:r>
+                    </a:p>
+                  </a:txBody>
+                  <a:tcPr/>
+                </a:tc>
+                <a:extLst>
+                  <a:ext uri="{0D108BD9-81ED-4DB2-BD59-A6C34878D82A}">
+                    <a16:rowId xmlns:a16="http://schemas.microsoft.com/office/drawing/2014/main" val="3188267199"/>
+                  </a:ext>
+                </a:extLst>
+              </a:tr>
+              <a:tr h="370840">
+                <a:tc>
+                  <a:txBody>
+                    <a:bodyPr/>
+                    <a:lstStyle/>
+                    <a:p>
+                      <a:r>
+                        <a:rPr lang="es-ES" dirty="0"/>
+                        <a:t>Hyundi.csv</a:t>
+                      </a:r>
+                    </a:p>
+                  </a:txBody>
+                  <a:tcPr/>
+                </a:tc>
+                <a:tc>
+                  <a:txBody>
+                    <a:bodyPr/>
+                    <a:lstStyle/>
+                    <a:p>
+                      <a:pPr algn="r"/>
+                      <a:r>
+                        <a:rPr lang="es-ES" dirty="0"/>
+                        <a:t>4860 x 9</a:t>
+                      </a:r>
+                    </a:p>
+                  </a:txBody>
+                  <a:tcPr/>
+                </a:tc>
+                <a:extLst>
+                  <a:ext uri="{0D108BD9-81ED-4DB2-BD59-A6C34878D82A}">
+                    <a16:rowId xmlns:a16="http://schemas.microsoft.com/office/drawing/2014/main" val="3407404723"/>
+                  </a:ext>
+                </a:extLst>
+              </a:tr>
+              <a:tr h="370840">
+                <a:tc>
+                  <a:txBody>
+                    <a:bodyPr/>
+                    <a:lstStyle/>
+                    <a:p>
+                      <a:r>
+                        <a:rPr lang="es-ES" dirty="0"/>
+                        <a:t>skoda.csv</a:t>
+                      </a:r>
+                    </a:p>
+                  </a:txBody>
+                  <a:tcPr/>
+                </a:tc>
+                <a:tc>
+                  <a:txBody>
+                    <a:bodyPr/>
+                    <a:lstStyle/>
+                    <a:p>
+                      <a:pPr algn="r"/>
+                      <a:r>
+                        <a:rPr lang="es-ES" dirty="0"/>
+                        <a:t>6267 x 9</a:t>
+                      </a:r>
+                    </a:p>
+                  </a:txBody>
+                  <a:tcPr/>
+                </a:tc>
+                <a:extLst>
+                  <a:ext uri="{0D108BD9-81ED-4DB2-BD59-A6C34878D82A}">
+                    <a16:rowId xmlns:a16="http://schemas.microsoft.com/office/drawing/2014/main" val="428713477"/>
+                  </a:ext>
+                </a:extLst>
+              </a:tr>
+              <a:tr h="370840">
+                <a:tc>
+                  <a:txBody>
+                    <a:bodyPr/>
+                    <a:lstStyle/>
+                    <a:p>
+                      <a:r>
+                        <a:rPr lang="es-ES" dirty="0"/>
+                        <a:t>toyota.csv</a:t>
+                      </a:r>
+                    </a:p>
+                  </a:txBody>
+                  <a:tcPr/>
+                </a:tc>
+                <a:tc>
+                  <a:txBody>
+                    <a:bodyPr/>
+                    <a:lstStyle/>
+                    <a:p>
+                      <a:pPr algn="r"/>
+                      <a:r>
+                        <a:rPr lang="es-ES" dirty="0"/>
+                        <a:t>6738 x 9</a:t>
+                      </a:r>
+                    </a:p>
+                  </a:txBody>
+                  <a:tcPr/>
+                </a:tc>
+                <a:extLst>
+                  <a:ext uri="{0D108BD9-81ED-4DB2-BD59-A6C34878D82A}">
+                    <a16:rowId xmlns:a16="http://schemas.microsoft.com/office/drawing/2014/main" val="2501466950"/>
+                  </a:ext>
+                </a:extLst>
+              </a:tr>
+              <a:tr h="370840">
+                <a:tc>
+                  <a:txBody>
+                    <a:bodyPr/>
+                    <a:lstStyle/>
+                    <a:p>
+                      <a:r>
+                        <a:rPr lang="es-ES" dirty="0"/>
+                        <a:t>vauxhall.csv</a:t>
+                      </a:r>
+                    </a:p>
+                  </a:txBody>
+                  <a:tcPr/>
+                </a:tc>
+                <a:tc>
+                  <a:txBody>
+                    <a:bodyPr/>
+                    <a:lstStyle/>
+                    <a:p>
+                      <a:pPr algn="r"/>
+                      <a:r>
+                        <a:rPr lang="es-ES" dirty="0"/>
+                        <a:t>13632 x 9</a:t>
+                      </a:r>
+                    </a:p>
+                  </a:txBody>
+                  <a:tcPr/>
+                </a:tc>
+                <a:extLst>
+                  <a:ext uri="{0D108BD9-81ED-4DB2-BD59-A6C34878D82A}">
+                    <a16:rowId xmlns:a16="http://schemas.microsoft.com/office/drawing/2014/main" val="3826678466"/>
+                  </a:ext>
+                </a:extLst>
+              </a:tr>
+              <a:tr h="370840">
+                <a:tc>
+                  <a:txBody>
+                    <a:bodyPr/>
+                    <a:lstStyle/>
+                    <a:p>
+                      <a:r>
+                        <a:rPr lang="es-ES" dirty="0"/>
+                        <a:t>vw.csv</a:t>
+                      </a:r>
+                    </a:p>
+                  </a:txBody>
+                  <a:tcPr/>
+                </a:tc>
+                <a:tc>
+                  <a:txBody>
+                    <a:bodyPr/>
+                    <a:lstStyle/>
+                    <a:p>
+                      <a:pPr algn="r"/>
+                      <a:r>
+                        <a:rPr lang="es-ES" dirty="0"/>
+                        <a:t>15157 x 9</a:t>
+                      </a:r>
+                    </a:p>
+                  </a:txBody>
+                  <a:tcPr/>
+                </a:tc>
+                <a:extLst>
+                  <a:ext uri="{0D108BD9-81ED-4DB2-BD59-A6C34878D82A}">
+                    <a16:rowId xmlns:a16="http://schemas.microsoft.com/office/drawing/2014/main" val="1481406996"/>
+                  </a:ext>
+                </a:extLst>
+              </a:tr>
+            </a:tbl>
+          </a:graphicData>
+        </a:graphic>
+      </p:graphicFrame>
+      <p:graphicFrame>
+        <p:nvGraphicFramePr>
+          <p:cNvPr id="5" name="Tabla 5">
+            <a:extLst>
+              <a:ext uri="{FF2B5EF4-FFF2-40B4-BE49-F238E27FC236}">
+                <a16:creationId xmlns:a16="http://schemas.microsoft.com/office/drawing/2014/main" id="{A1A49F2F-89AC-4245-BE77-A5C0CDDD16B8}"/>
+              </a:ext>
+            </a:extLst>
+          </p:cNvPr>
+          <p:cNvGraphicFramePr>
+            <a:graphicFrameLocks noGrp="1"/>
+          </p:cNvGraphicFramePr>
+          <p:nvPr/>
+        </p:nvGraphicFramePr>
+        <p:xfrm>
+          <a:off x="6096000" y="3537585"/>
+          <a:ext cx="1273119" cy="741680"/>
+        </p:xfrm>
+        <a:graphic>
+          <a:graphicData uri="http://schemas.openxmlformats.org/drawingml/2006/table">
+            <a:tbl>
+              <a:tblPr firstRow="1" bandRow="1">
+                <a:tableStyleId>{5C22544A-7EE6-4342-B048-85BDC9FD1C3A}</a:tableStyleId>
+              </a:tblPr>
+              <a:tblGrid>
+                <a:gridCol w="1273119">
+                  <a:extLst>
+                    <a:ext uri="{9D8B030D-6E8A-4147-A177-3AD203B41FA5}">
+                      <a16:colId xmlns:a16="http://schemas.microsoft.com/office/drawing/2014/main" val="4237135192"/>
+                    </a:ext>
+                  </a:extLst>
+                </a:gridCol>
+              </a:tblGrid>
+              <a:tr h="741680">
+                <a:tc>
+                  <a:txBody>
+                    <a:bodyPr/>
+                    <a:lstStyle/>
+                    <a:p>
+                      <a:r>
+                        <a:rPr lang="es-ES" sz="1800" b="0" i="0" kern="1200" dirty="0">
+                          <a:solidFill>
+                            <a:schemeClr val="tx1"/>
+                          </a:solidFill>
+                          <a:effectLst/>
+                          <a:latin typeface="+mn-lt"/>
+                          <a:ea typeface="+mn-ea"/>
+                          <a:cs typeface="+mn-cs"/>
+                        </a:rPr>
+                        <a:t>23419 x 10 </a:t>
+                      </a:r>
+                      <a:endParaRPr lang="es-ES" dirty="0">
+                        <a:solidFill>
+                          <a:schemeClr val="tx1"/>
+                        </a:solidFill>
+                      </a:endParaRPr>
+                    </a:p>
+                  </a:txBody>
+                  <a:tcPr anchor="ctr">
+                    <a:solidFill>
+                      <a:schemeClr val="accent1">
+                        <a:lumMod val="20000"/>
+                        <a:lumOff val="80000"/>
+                      </a:schemeClr>
+                    </a:solidFill>
+                  </a:tcPr>
+                </a:tc>
+                <a:extLst>
+                  <a:ext uri="{0D108BD9-81ED-4DB2-BD59-A6C34878D82A}">
+                    <a16:rowId xmlns:a16="http://schemas.microsoft.com/office/drawing/2014/main" val="3769611919"/>
+                  </a:ext>
+                </a:extLst>
+              </a:tr>
+            </a:tbl>
+          </a:graphicData>
+        </a:graphic>
+      </p:graphicFrame>
+      <p:graphicFrame>
+        <p:nvGraphicFramePr>
+          <p:cNvPr id="7" name="Tabla 7">
+            <a:extLst>
+              <a:ext uri="{FF2B5EF4-FFF2-40B4-BE49-F238E27FC236}">
+                <a16:creationId xmlns:a16="http://schemas.microsoft.com/office/drawing/2014/main" id="{E9AD6251-361A-44B3-8D0D-9C6828CA669B}"/>
+              </a:ext>
+            </a:extLst>
+          </p:cNvPr>
+          <p:cNvGraphicFramePr>
+            <a:graphicFrameLocks noGrp="1"/>
+          </p:cNvGraphicFramePr>
+          <p:nvPr/>
+        </p:nvGraphicFramePr>
+        <p:xfrm>
+          <a:off x="6096000" y="2800350"/>
+          <a:ext cx="1273119" cy="760730"/>
+        </p:xfrm>
+        <a:graphic>
+          <a:graphicData uri="http://schemas.openxmlformats.org/drawingml/2006/table">
+            <a:tbl>
+              <a:tblPr firstRow="1" bandRow="1">
+                <a:tableStyleId>{5C22544A-7EE6-4342-B048-85BDC9FD1C3A}</a:tableStyleId>
+              </a:tblPr>
+              <a:tblGrid>
+                <a:gridCol w="1273119">
+                  <a:extLst>
+                    <a:ext uri="{9D8B030D-6E8A-4147-A177-3AD203B41FA5}">
+                      <a16:colId xmlns:a16="http://schemas.microsoft.com/office/drawing/2014/main" val="1326209796"/>
+                    </a:ext>
+                  </a:extLst>
+                </a:gridCol>
+              </a:tblGrid>
+              <a:tr h="760730">
+                <a:tc>
+                  <a:txBody>
+                    <a:bodyPr/>
+                    <a:lstStyle/>
+                    <a:p>
+                      <a:r>
+                        <a:rPr lang="es-ES" sz="1800" b="0" i="0" kern="1200" dirty="0">
+                          <a:solidFill>
+                            <a:schemeClr val="tx1"/>
+                          </a:solidFill>
+                          <a:effectLst/>
+                          <a:latin typeface="+mn-lt"/>
+                          <a:ea typeface="+mn-ea"/>
+                          <a:cs typeface="+mn-cs"/>
+                        </a:rPr>
+                        <a:t>17018 x 10 </a:t>
+                      </a:r>
+                      <a:endParaRPr lang="es-ES" dirty="0">
+                        <a:solidFill>
+                          <a:schemeClr val="tx1"/>
+                        </a:solidFill>
+                      </a:endParaRPr>
+                    </a:p>
+                  </a:txBody>
+                  <a:tcPr anchor="ctr">
+                    <a:solidFill>
+                      <a:schemeClr val="accent1">
+                        <a:lumMod val="40000"/>
+                        <a:lumOff val="60000"/>
+                      </a:schemeClr>
+                    </a:solidFill>
+                  </a:tcPr>
+                </a:tc>
+                <a:extLst>
+                  <a:ext uri="{0D108BD9-81ED-4DB2-BD59-A6C34878D82A}">
+                    <a16:rowId xmlns:a16="http://schemas.microsoft.com/office/drawing/2014/main" val="831301567"/>
+                  </a:ext>
+                </a:extLst>
+              </a:tr>
+            </a:tbl>
+          </a:graphicData>
+        </a:graphic>
+      </p:graphicFrame>
+      <p:sp>
+        <p:nvSpPr>
+          <p:cNvPr id="3" name="Rectángulo 2">
+            <a:extLst>
+              <a:ext uri="{FF2B5EF4-FFF2-40B4-BE49-F238E27FC236}">
+                <a16:creationId xmlns:a16="http://schemas.microsoft.com/office/drawing/2014/main" id="{7CE805C0-047F-41FB-96B9-E259D160E973}"/>
+              </a:ext>
+            </a:extLst>
+          </p:cNvPr>
+          <p:cNvSpPr/>
+          <p:nvPr/>
+        </p:nvSpPr>
+        <p:spPr>
+          <a:xfrm>
+            <a:off x="323851" y="2856231"/>
+            <a:ext cx="3848100" cy="647700"/>
+          </a:xfrm>
+          <a:prstGeom prst="rect">
+            <a:avLst/>
+          </a:prstGeom>
+          <a:noFill/>
+          <a:ln w="28575">
+            <a:solidFill>
+              <a:schemeClr val="accent1">
+                <a:lumMod val="75000"/>
+              </a:schemeClr>
+            </a:solidFill>
+          </a:ln>
+        </p:spPr>
+        <p:style>
+          <a:lnRef idx="2">
+            <a:schemeClr val="accent1">
+              <a:shade val="50000"/>
+            </a:schemeClr>
+          </a:lnRef>
+          <a:fillRef idx="1">
+            <a:schemeClr val="accent1"/>
+          </a:fillRef>
+          <a:effectRef idx="0">
+            <a:schemeClr val="accent1"/>
+          </a:effectRef>
+          <a:fontRef idx="minor">
+            <a:schemeClr val="lt1"/>
+          </a:fontRef>
+        </p:style>
+        <p:txBody>
+          <a:bodyPr rtlCol="0" anchor="ctr"/>
+          <a:lstStyle/>
+          <a:p>
+            <a:pPr algn="ctr"/>
+            <a:endParaRPr lang="es-ES" dirty="0"/>
+          </a:p>
+        </p:txBody>
+      </p:sp>
+      <p:sp>
+        <p:nvSpPr>
+          <p:cNvPr id="9" name="Rectángulo 8">
+            <a:extLst>
+              <a:ext uri="{FF2B5EF4-FFF2-40B4-BE49-F238E27FC236}">
+                <a16:creationId xmlns:a16="http://schemas.microsoft.com/office/drawing/2014/main" id="{36F317CB-5F3E-4751-9490-69C37192D860}"/>
+              </a:ext>
+            </a:extLst>
+          </p:cNvPr>
+          <p:cNvSpPr/>
+          <p:nvPr/>
+        </p:nvSpPr>
+        <p:spPr>
+          <a:xfrm>
+            <a:off x="323851" y="3571082"/>
+            <a:ext cx="3848100" cy="647700"/>
+          </a:xfrm>
+          <a:prstGeom prst="rect">
+            <a:avLst/>
+          </a:prstGeom>
+          <a:noFill/>
+          <a:ln w="28575">
+            <a:solidFill>
+              <a:schemeClr val="accent1">
+                <a:lumMod val="75000"/>
+              </a:schemeClr>
+            </a:solidFill>
+          </a:ln>
+        </p:spPr>
+        <p:style>
+          <a:lnRef idx="2">
+            <a:schemeClr val="accent1">
+              <a:shade val="50000"/>
+            </a:schemeClr>
+          </a:lnRef>
+          <a:fillRef idx="1">
+            <a:schemeClr val="accent1"/>
+          </a:fillRef>
+          <a:effectRef idx="0">
+            <a:schemeClr val="accent1"/>
+          </a:effectRef>
+          <a:fontRef idx="minor">
+            <a:schemeClr val="lt1"/>
+          </a:fontRef>
+        </p:style>
+        <p:txBody>
+          <a:bodyPr rtlCol="0" anchor="ctr"/>
+          <a:lstStyle/>
+          <a:p>
+            <a:pPr algn="ctr"/>
+            <a:endParaRPr lang="es-ES" dirty="0"/>
+          </a:p>
+        </p:txBody>
+      </p:sp>
+      <p:graphicFrame>
+        <p:nvGraphicFramePr>
+          <p:cNvPr id="10" name="Tabla 10">
+            <a:extLst>
+              <a:ext uri="{FF2B5EF4-FFF2-40B4-BE49-F238E27FC236}">
+                <a16:creationId xmlns:a16="http://schemas.microsoft.com/office/drawing/2014/main" id="{AF026DFF-348D-4AFD-9041-6935DFD4F651}"/>
+              </a:ext>
+            </a:extLst>
+          </p:cNvPr>
+          <p:cNvGraphicFramePr>
+            <a:graphicFrameLocks noGrp="1"/>
+          </p:cNvGraphicFramePr>
+          <p:nvPr>
+            <p:extLst>
+              <p:ext uri="{D42A27DB-BD31-4B8C-83A1-F6EECF244321}">
+                <p14:modId xmlns:p14="http://schemas.microsoft.com/office/powerpoint/2010/main" val="2556649715"/>
+              </p:ext>
+            </p:extLst>
+          </p:nvPr>
+        </p:nvGraphicFramePr>
+        <p:xfrm>
+          <a:off x="4697260" y="1691013"/>
+          <a:ext cx="1390818" cy="4445000"/>
+        </p:xfrm>
+        <a:graphic>
+          <a:graphicData uri="http://schemas.openxmlformats.org/drawingml/2006/table">
+            <a:tbl>
+              <a:tblPr firstRow="1" bandRow="1">
+                <a:tableStyleId>{5C22544A-7EE6-4342-B048-85BDC9FD1C3A}</a:tableStyleId>
+              </a:tblPr>
+              <a:tblGrid>
+                <a:gridCol w="1390818">
+                  <a:extLst>
+                    <a:ext uri="{9D8B030D-6E8A-4147-A177-3AD203B41FA5}">
+                      <a16:colId xmlns:a16="http://schemas.microsoft.com/office/drawing/2014/main" val="2826949965"/>
+                    </a:ext>
+                  </a:extLst>
+                </a:gridCol>
+              </a:tblGrid>
+              <a:tr h="0">
+                <a:tc>
+                  <a:txBody>
+                    <a:bodyPr/>
+                    <a:lstStyle/>
+                    <a:p>
+                      <a:r>
+                        <a:rPr lang="es-ES" dirty="0"/>
+                        <a:t>Brand</a:t>
+                      </a:r>
+                    </a:p>
+                  </a:txBody>
+                  <a:tcPr/>
+                </a:tc>
+                <a:extLst>
+                  <a:ext uri="{0D108BD9-81ED-4DB2-BD59-A6C34878D82A}">
+                    <a16:rowId xmlns:a16="http://schemas.microsoft.com/office/drawing/2014/main" val="3067029796"/>
+                  </a:ext>
+                </a:extLst>
+              </a:tr>
+              <a:tr h="370840">
+                <a:tc>
+                  <a:txBody>
+                    <a:bodyPr/>
+                    <a:lstStyle/>
+                    <a:p>
+                      <a:r>
+                        <a:rPr lang="es-ES" dirty="0"/>
+                        <a:t>Audi</a:t>
+                      </a:r>
+                    </a:p>
+                  </a:txBody>
+                  <a:tcPr/>
+                </a:tc>
+                <a:extLst>
+                  <a:ext uri="{0D108BD9-81ED-4DB2-BD59-A6C34878D82A}">
+                    <a16:rowId xmlns:a16="http://schemas.microsoft.com/office/drawing/2014/main" val="3531203566"/>
+                  </a:ext>
+                </a:extLst>
+              </a:tr>
+              <a:tr h="370840">
+                <a:tc>
+                  <a:txBody>
+                    <a:bodyPr/>
+                    <a:lstStyle/>
+                    <a:p>
+                      <a:r>
+                        <a:rPr lang="es-ES" dirty="0"/>
+                        <a:t>BMW</a:t>
+                      </a:r>
+                    </a:p>
+                  </a:txBody>
+                  <a:tcPr/>
+                </a:tc>
+                <a:extLst>
+                  <a:ext uri="{0D108BD9-81ED-4DB2-BD59-A6C34878D82A}">
+                    <a16:rowId xmlns:a16="http://schemas.microsoft.com/office/drawing/2014/main" val="814847464"/>
+                  </a:ext>
+                </a:extLst>
+              </a:tr>
+              <a:tr h="741680">
+                <a:tc>
+                  <a:txBody>
+                    <a:bodyPr/>
+                    <a:lstStyle/>
+                    <a:p>
+                      <a:r>
+                        <a:rPr lang="es-ES" dirty="0"/>
+                        <a:t>Mercedes</a:t>
+                      </a:r>
+                    </a:p>
+                  </a:txBody>
+                  <a:tcPr anchor="ctr"/>
+                </a:tc>
+                <a:extLst>
+                  <a:ext uri="{0D108BD9-81ED-4DB2-BD59-A6C34878D82A}">
+                    <a16:rowId xmlns:a16="http://schemas.microsoft.com/office/drawing/2014/main" val="1186927301"/>
+                  </a:ext>
+                </a:extLst>
+              </a:tr>
+              <a:tr h="741680">
+                <a:tc>
+                  <a:txBody>
+                    <a:bodyPr/>
+                    <a:lstStyle/>
+                    <a:p>
+                      <a:r>
+                        <a:rPr lang="es-ES" dirty="0"/>
+                        <a:t>Ford</a:t>
+                      </a:r>
+                    </a:p>
+                  </a:txBody>
+                  <a:tcPr anchor="ctr"/>
+                </a:tc>
+                <a:extLst>
+                  <a:ext uri="{0D108BD9-81ED-4DB2-BD59-A6C34878D82A}">
+                    <a16:rowId xmlns:a16="http://schemas.microsoft.com/office/drawing/2014/main" val="1373284269"/>
+                  </a:ext>
+                </a:extLst>
+              </a:tr>
+              <a:tr h="370840">
+                <a:tc>
+                  <a:txBody>
+                    <a:bodyPr/>
+                    <a:lstStyle/>
+                    <a:p>
+                      <a:r>
+                        <a:rPr lang="es-ES" dirty="0" err="1"/>
+                        <a:t>Hyundi</a:t>
+                      </a:r>
+                      <a:endParaRPr lang="es-ES" dirty="0"/>
+                    </a:p>
+                  </a:txBody>
+                  <a:tcPr/>
+                </a:tc>
+                <a:extLst>
+                  <a:ext uri="{0D108BD9-81ED-4DB2-BD59-A6C34878D82A}">
+                    <a16:rowId xmlns:a16="http://schemas.microsoft.com/office/drawing/2014/main" val="3194228934"/>
+                  </a:ext>
+                </a:extLst>
+              </a:tr>
+              <a:tr h="370840">
+                <a:tc>
+                  <a:txBody>
+                    <a:bodyPr/>
+                    <a:lstStyle/>
+                    <a:p>
+                      <a:r>
+                        <a:rPr lang="es-ES" dirty="0" err="1"/>
+                        <a:t>Skoda</a:t>
+                      </a:r>
+                      <a:endParaRPr lang="es-ES" dirty="0"/>
+                    </a:p>
+                  </a:txBody>
+                  <a:tcPr/>
+                </a:tc>
+                <a:extLst>
+                  <a:ext uri="{0D108BD9-81ED-4DB2-BD59-A6C34878D82A}">
+                    <a16:rowId xmlns:a16="http://schemas.microsoft.com/office/drawing/2014/main" val="1759754382"/>
+                  </a:ext>
+                </a:extLst>
+              </a:tr>
+              <a:tr h="370840">
+                <a:tc>
+                  <a:txBody>
+                    <a:bodyPr/>
+                    <a:lstStyle/>
+                    <a:p>
+                      <a:r>
+                        <a:rPr lang="es-ES" dirty="0"/>
+                        <a:t>Toyota</a:t>
+                      </a:r>
+                    </a:p>
+                  </a:txBody>
+                  <a:tcPr/>
+                </a:tc>
+                <a:extLst>
+                  <a:ext uri="{0D108BD9-81ED-4DB2-BD59-A6C34878D82A}">
+                    <a16:rowId xmlns:a16="http://schemas.microsoft.com/office/drawing/2014/main" val="1756450146"/>
+                  </a:ext>
+                </a:extLst>
+              </a:tr>
+              <a:tr h="370840">
+                <a:tc>
+                  <a:txBody>
+                    <a:bodyPr/>
+                    <a:lstStyle/>
+                    <a:p>
+                      <a:r>
+                        <a:rPr lang="es-ES" dirty="0"/>
+                        <a:t>Vauxhall</a:t>
+                      </a:r>
+                    </a:p>
+                  </a:txBody>
+                  <a:tcPr/>
+                </a:tc>
+                <a:extLst>
+                  <a:ext uri="{0D108BD9-81ED-4DB2-BD59-A6C34878D82A}">
+                    <a16:rowId xmlns:a16="http://schemas.microsoft.com/office/drawing/2014/main" val="1065554996"/>
+                  </a:ext>
+                </a:extLst>
+              </a:tr>
+              <a:tr h="370840">
+                <a:tc>
+                  <a:txBody>
+                    <a:bodyPr/>
+                    <a:lstStyle/>
+                    <a:p>
+                      <a:r>
+                        <a:rPr lang="es-ES" dirty="0"/>
+                        <a:t>VW</a:t>
+                      </a:r>
+                    </a:p>
+                  </a:txBody>
+                  <a:tcPr/>
+                </a:tc>
+                <a:extLst>
+                  <a:ext uri="{0D108BD9-81ED-4DB2-BD59-A6C34878D82A}">
+                    <a16:rowId xmlns:a16="http://schemas.microsoft.com/office/drawing/2014/main" val="2343635583"/>
+                  </a:ext>
+                </a:extLst>
+              </a:tr>
+            </a:tbl>
+          </a:graphicData>
+        </a:graphic>
+      </p:graphicFrame>
+      <p:cxnSp>
+        <p:nvCxnSpPr>
+          <p:cNvPr id="12" name="Conector recto de flecha 11">
+            <a:extLst>
+              <a:ext uri="{FF2B5EF4-FFF2-40B4-BE49-F238E27FC236}">
+                <a16:creationId xmlns:a16="http://schemas.microsoft.com/office/drawing/2014/main" id="{C4867B2D-1443-40C6-A499-48B851448B41}"/>
+              </a:ext>
+            </a:extLst>
+          </p:cNvPr>
+          <p:cNvCxnSpPr/>
+          <p:nvPr/>
+        </p:nvCxnSpPr>
+        <p:spPr>
+          <a:xfrm flipV="1">
+            <a:off x="4265897" y="3180525"/>
+            <a:ext cx="411292" cy="10438"/>
+          </a:xfrm>
+          <a:prstGeom prst="straightConnector1">
+            <a:avLst/>
+          </a:prstGeom>
+          <a:ln w="19050">
+            <a:solidFill>
+              <a:schemeClr val="accent1">
+                <a:lumMod val="75000"/>
+              </a:schemeClr>
+            </a:solidFill>
+            <a:tailEnd type="triangle"/>
+          </a:ln>
+        </p:spPr>
+        <p:style>
+          <a:lnRef idx="1">
+            <a:schemeClr val="accent1"/>
+          </a:lnRef>
+          <a:fillRef idx="0">
+            <a:schemeClr val="accent1"/>
+          </a:fillRef>
+          <a:effectRef idx="0">
+            <a:schemeClr val="accent1"/>
+          </a:effectRef>
+          <a:fontRef idx="minor">
+            <a:schemeClr val="tx1"/>
+          </a:fontRef>
+        </p:style>
+      </p:cxnSp>
+      <p:sp>
+        <p:nvSpPr>
+          <p:cNvPr id="14" name="Flecha: a la derecha 13">
+            <a:extLst>
+              <a:ext uri="{FF2B5EF4-FFF2-40B4-BE49-F238E27FC236}">
+                <a16:creationId xmlns:a16="http://schemas.microsoft.com/office/drawing/2014/main" id="{269123BC-043C-4930-B67B-3039535A2964}"/>
+              </a:ext>
+            </a:extLst>
+          </p:cNvPr>
+          <p:cNvSpPr/>
+          <p:nvPr/>
+        </p:nvSpPr>
+        <p:spPr>
+          <a:xfrm>
+            <a:off x="7711028" y="3190717"/>
+            <a:ext cx="939738" cy="760730"/>
+          </a:xfrm>
+          <a:prstGeom prst="rightArrow">
+            <a:avLst/>
+          </a:prstGeom>
+          <a:solidFill>
+            <a:schemeClr val="accent1">
+              <a:lumMod val="40000"/>
+              <a:lumOff val="60000"/>
+            </a:schemeClr>
+          </a:solidFill>
+          <a:ln>
+            <a:noFill/>
+          </a:ln>
+        </p:spPr>
+        <p:style>
+          <a:lnRef idx="2">
+            <a:schemeClr val="accent1">
+              <a:shade val="50000"/>
+            </a:schemeClr>
+          </a:lnRef>
+          <a:fillRef idx="1">
+            <a:schemeClr val="accent1"/>
+          </a:fillRef>
+          <a:effectRef idx="0">
+            <a:schemeClr val="accent1"/>
+          </a:effectRef>
+          <a:fontRef idx="minor">
+            <a:schemeClr val="lt1"/>
+          </a:fontRef>
+        </p:style>
+        <p:txBody>
+          <a:bodyPr rtlCol="0" anchor="ctr"/>
+          <a:lstStyle/>
+          <a:p>
+            <a:pPr algn="ctr"/>
+            <a:endParaRPr lang="es-ES"/>
+          </a:p>
+        </p:txBody>
+      </p:sp>
+      <p:graphicFrame>
+        <p:nvGraphicFramePr>
+          <p:cNvPr id="15" name="Tabla 15">
+            <a:extLst>
+              <a:ext uri="{FF2B5EF4-FFF2-40B4-BE49-F238E27FC236}">
+                <a16:creationId xmlns:a16="http://schemas.microsoft.com/office/drawing/2014/main" id="{93244E14-C7AD-4FFD-99BE-86552C075D27}"/>
+              </a:ext>
+            </a:extLst>
+          </p:cNvPr>
+          <p:cNvGraphicFramePr>
+            <a:graphicFrameLocks noGrp="1"/>
+          </p:cNvGraphicFramePr>
+          <p:nvPr/>
+        </p:nvGraphicFramePr>
+        <p:xfrm>
+          <a:off x="9804620" y="2735422"/>
+          <a:ext cx="1812984" cy="1483360"/>
+        </p:xfrm>
+        <a:graphic>
+          <a:graphicData uri="http://schemas.openxmlformats.org/drawingml/2006/table">
+            <a:tbl>
+              <a:tblPr firstRow="1" bandRow="1">
+                <a:tableStyleId>{5C22544A-7EE6-4342-B048-85BDC9FD1C3A}</a:tableStyleId>
+              </a:tblPr>
+              <a:tblGrid>
+                <a:gridCol w="302164">
+                  <a:extLst>
+                    <a:ext uri="{9D8B030D-6E8A-4147-A177-3AD203B41FA5}">
+                      <a16:colId xmlns:a16="http://schemas.microsoft.com/office/drawing/2014/main" val="4205425216"/>
+                    </a:ext>
+                  </a:extLst>
+                </a:gridCol>
+                <a:gridCol w="302164">
+                  <a:extLst>
+                    <a:ext uri="{9D8B030D-6E8A-4147-A177-3AD203B41FA5}">
+                      <a16:colId xmlns:a16="http://schemas.microsoft.com/office/drawing/2014/main" val="2378616990"/>
+                    </a:ext>
+                  </a:extLst>
+                </a:gridCol>
+                <a:gridCol w="302164">
+                  <a:extLst>
+                    <a:ext uri="{9D8B030D-6E8A-4147-A177-3AD203B41FA5}">
+                      <a16:colId xmlns:a16="http://schemas.microsoft.com/office/drawing/2014/main" val="1386987852"/>
+                    </a:ext>
+                  </a:extLst>
+                </a:gridCol>
+                <a:gridCol w="302164">
+                  <a:extLst>
+                    <a:ext uri="{9D8B030D-6E8A-4147-A177-3AD203B41FA5}">
+                      <a16:colId xmlns:a16="http://schemas.microsoft.com/office/drawing/2014/main" val="499311814"/>
+                    </a:ext>
+                  </a:extLst>
+                </a:gridCol>
+                <a:gridCol w="302164">
+                  <a:extLst>
+                    <a:ext uri="{9D8B030D-6E8A-4147-A177-3AD203B41FA5}">
+                      <a16:colId xmlns:a16="http://schemas.microsoft.com/office/drawing/2014/main" val="1287231851"/>
+                    </a:ext>
+                  </a:extLst>
+                </a:gridCol>
+                <a:gridCol w="302164">
+                  <a:extLst>
+                    <a:ext uri="{9D8B030D-6E8A-4147-A177-3AD203B41FA5}">
+                      <a16:colId xmlns:a16="http://schemas.microsoft.com/office/drawing/2014/main" val="1911845398"/>
+                    </a:ext>
+                  </a:extLst>
+                </a:gridCol>
+              </a:tblGrid>
+              <a:tr h="370840">
+                <a:tc>
+                  <a:txBody>
+                    <a:bodyPr/>
+                    <a:lstStyle/>
+                    <a:p>
+                      <a:endParaRPr lang="es-ES"/>
+                    </a:p>
+                  </a:txBody>
+                  <a:tcPr/>
+                </a:tc>
+                <a:tc>
+                  <a:txBody>
+                    <a:bodyPr/>
+                    <a:lstStyle/>
+                    <a:p>
+                      <a:endParaRPr lang="es-ES" dirty="0"/>
+                    </a:p>
+                  </a:txBody>
+                  <a:tcPr/>
+                </a:tc>
+                <a:tc>
+                  <a:txBody>
+                    <a:bodyPr/>
+                    <a:lstStyle/>
+                    <a:p>
+                      <a:endParaRPr lang="es-ES"/>
+                    </a:p>
+                  </a:txBody>
+                  <a:tcPr/>
+                </a:tc>
+                <a:tc>
+                  <a:txBody>
+                    <a:bodyPr/>
+                    <a:lstStyle/>
+                    <a:p>
+                      <a:endParaRPr lang="es-ES"/>
+                    </a:p>
+                  </a:txBody>
+                  <a:tcPr/>
+                </a:tc>
+                <a:tc>
+                  <a:txBody>
+                    <a:bodyPr/>
+                    <a:lstStyle/>
+                    <a:p>
+                      <a:endParaRPr lang="es-ES"/>
+                    </a:p>
+                  </a:txBody>
+                  <a:tcPr/>
+                </a:tc>
+                <a:tc>
+                  <a:txBody>
+                    <a:bodyPr/>
+                    <a:lstStyle/>
+                    <a:p>
+                      <a:endParaRPr lang="es-ES"/>
+                    </a:p>
+                  </a:txBody>
+                  <a:tcPr/>
+                </a:tc>
+                <a:extLst>
+                  <a:ext uri="{0D108BD9-81ED-4DB2-BD59-A6C34878D82A}">
+                    <a16:rowId xmlns:a16="http://schemas.microsoft.com/office/drawing/2014/main" val="1597212998"/>
+                  </a:ext>
+                </a:extLst>
+              </a:tr>
+              <a:tr h="370840">
+                <a:tc>
+                  <a:txBody>
+                    <a:bodyPr/>
+                    <a:lstStyle/>
+                    <a:p>
+                      <a:endParaRPr lang="es-ES"/>
+                    </a:p>
+                  </a:txBody>
+                  <a:tcPr/>
+                </a:tc>
+                <a:tc>
+                  <a:txBody>
+                    <a:bodyPr/>
+                    <a:lstStyle/>
+                    <a:p>
+                      <a:endParaRPr lang="es-ES"/>
+                    </a:p>
+                  </a:txBody>
+                  <a:tcPr/>
+                </a:tc>
+                <a:tc>
+                  <a:txBody>
+                    <a:bodyPr/>
+                    <a:lstStyle/>
+                    <a:p>
+                      <a:endParaRPr lang="es-ES"/>
+                    </a:p>
+                  </a:txBody>
+                  <a:tcPr/>
+                </a:tc>
+                <a:tc>
+                  <a:txBody>
+                    <a:bodyPr/>
+                    <a:lstStyle/>
+                    <a:p>
+                      <a:endParaRPr lang="es-ES"/>
+                    </a:p>
+                  </a:txBody>
+                  <a:tcPr/>
+                </a:tc>
+                <a:tc>
+                  <a:txBody>
+                    <a:bodyPr/>
+                    <a:lstStyle/>
+                    <a:p>
+                      <a:endParaRPr lang="es-ES"/>
+                    </a:p>
+                  </a:txBody>
+                  <a:tcPr/>
+                </a:tc>
+                <a:tc>
+                  <a:txBody>
+                    <a:bodyPr/>
+                    <a:lstStyle/>
+                    <a:p>
+                      <a:endParaRPr lang="es-ES"/>
+                    </a:p>
+                  </a:txBody>
+                  <a:tcPr/>
+                </a:tc>
+                <a:extLst>
+                  <a:ext uri="{0D108BD9-81ED-4DB2-BD59-A6C34878D82A}">
+                    <a16:rowId xmlns:a16="http://schemas.microsoft.com/office/drawing/2014/main" val="3632973103"/>
+                  </a:ext>
+                </a:extLst>
+              </a:tr>
+              <a:tr h="370840">
+                <a:tc>
+                  <a:txBody>
+                    <a:bodyPr/>
+                    <a:lstStyle/>
+                    <a:p>
+                      <a:endParaRPr lang="es-ES"/>
+                    </a:p>
+                  </a:txBody>
+                  <a:tcPr/>
+                </a:tc>
+                <a:tc>
+                  <a:txBody>
+                    <a:bodyPr/>
+                    <a:lstStyle/>
+                    <a:p>
+                      <a:endParaRPr lang="es-ES"/>
+                    </a:p>
+                  </a:txBody>
+                  <a:tcPr/>
+                </a:tc>
+                <a:tc>
+                  <a:txBody>
+                    <a:bodyPr/>
+                    <a:lstStyle/>
+                    <a:p>
+                      <a:endParaRPr lang="es-ES"/>
+                    </a:p>
+                  </a:txBody>
+                  <a:tcPr/>
+                </a:tc>
+                <a:tc>
+                  <a:txBody>
+                    <a:bodyPr/>
+                    <a:lstStyle/>
+                    <a:p>
+                      <a:endParaRPr lang="es-ES"/>
+                    </a:p>
+                  </a:txBody>
+                  <a:tcPr/>
+                </a:tc>
+                <a:tc>
+                  <a:txBody>
+                    <a:bodyPr/>
+                    <a:lstStyle/>
+                    <a:p>
+                      <a:endParaRPr lang="es-ES"/>
+                    </a:p>
+                  </a:txBody>
+                  <a:tcPr/>
+                </a:tc>
+                <a:tc>
+                  <a:txBody>
+                    <a:bodyPr/>
+                    <a:lstStyle/>
+                    <a:p>
+                      <a:endParaRPr lang="es-ES"/>
+                    </a:p>
+                  </a:txBody>
+                  <a:tcPr/>
+                </a:tc>
+                <a:extLst>
+                  <a:ext uri="{0D108BD9-81ED-4DB2-BD59-A6C34878D82A}">
+                    <a16:rowId xmlns:a16="http://schemas.microsoft.com/office/drawing/2014/main" val="3685555768"/>
+                  </a:ext>
+                </a:extLst>
+              </a:tr>
+              <a:tr h="370840">
+                <a:tc>
+                  <a:txBody>
+                    <a:bodyPr/>
+                    <a:lstStyle/>
+                    <a:p>
+                      <a:endParaRPr lang="es-ES"/>
+                    </a:p>
+                  </a:txBody>
+                  <a:tcPr/>
+                </a:tc>
+                <a:tc>
+                  <a:txBody>
+                    <a:bodyPr/>
+                    <a:lstStyle/>
+                    <a:p>
+                      <a:endParaRPr lang="es-ES"/>
+                    </a:p>
+                  </a:txBody>
+                  <a:tcPr/>
+                </a:tc>
+                <a:tc>
+                  <a:txBody>
+                    <a:bodyPr/>
+                    <a:lstStyle/>
+                    <a:p>
+                      <a:endParaRPr lang="es-ES"/>
+                    </a:p>
+                  </a:txBody>
+                  <a:tcPr/>
+                </a:tc>
+                <a:tc>
+                  <a:txBody>
+                    <a:bodyPr/>
+                    <a:lstStyle/>
+                    <a:p>
+                      <a:endParaRPr lang="es-ES"/>
+                    </a:p>
+                  </a:txBody>
+                  <a:tcPr/>
+                </a:tc>
+                <a:tc>
+                  <a:txBody>
+                    <a:bodyPr/>
+                    <a:lstStyle/>
+                    <a:p>
+                      <a:endParaRPr lang="es-ES"/>
+                    </a:p>
+                  </a:txBody>
+                  <a:tcPr/>
+                </a:tc>
+                <a:tc>
+                  <a:txBody>
+                    <a:bodyPr/>
+                    <a:lstStyle/>
+                    <a:p>
+                      <a:endParaRPr lang="es-ES" dirty="0"/>
+                    </a:p>
+                  </a:txBody>
+                  <a:tcPr/>
+                </a:tc>
+                <a:extLst>
+                  <a:ext uri="{0D108BD9-81ED-4DB2-BD59-A6C34878D82A}">
+                    <a16:rowId xmlns:a16="http://schemas.microsoft.com/office/drawing/2014/main" val="2505464971"/>
+                  </a:ext>
+                </a:extLst>
+              </a:tr>
+            </a:tbl>
+          </a:graphicData>
+        </a:graphic>
+      </p:graphicFrame>
+      <p:cxnSp>
+        <p:nvCxnSpPr>
+          <p:cNvPr id="17" name="Conector recto de flecha 16">
+            <a:extLst>
+              <a:ext uri="{FF2B5EF4-FFF2-40B4-BE49-F238E27FC236}">
+                <a16:creationId xmlns:a16="http://schemas.microsoft.com/office/drawing/2014/main" id="{CB9414CF-79C6-44AB-9217-FA39A7F1D557}"/>
+              </a:ext>
+            </a:extLst>
+          </p:cNvPr>
+          <p:cNvCxnSpPr/>
+          <p:nvPr/>
+        </p:nvCxnSpPr>
+        <p:spPr>
+          <a:xfrm>
+            <a:off x="9668703" y="2800350"/>
+            <a:ext cx="0" cy="1351280"/>
+          </a:xfrm>
+          <a:prstGeom prst="straightConnector1">
+            <a:avLst/>
+          </a:prstGeom>
+          <a:ln>
+            <a:headEnd type="triangle"/>
+            <a:tailEnd type="triangle"/>
+          </a:ln>
+        </p:spPr>
+        <p:style>
+          <a:lnRef idx="1">
+            <a:schemeClr val="accent1"/>
+          </a:lnRef>
+          <a:fillRef idx="0">
+            <a:schemeClr val="accent1"/>
+          </a:fillRef>
+          <a:effectRef idx="0">
+            <a:schemeClr val="accent1"/>
+          </a:effectRef>
+          <a:fontRef idx="minor">
+            <a:schemeClr val="tx1"/>
+          </a:fontRef>
+        </p:style>
+      </p:cxnSp>
+      <p:cxnSp>
+        <p:nvCxnSpPr>
+          <p:cNvPr id="18" name="Conector recto de flecha 17">
+            <a:extLst>
+              <a:ext uri="{FF2B5EF4-FFF2-40B4-BE49-F238E27FC236}">
+                <a16:creationId xmlns:a16="http://schemas.microsoft.com/office/drawing/2014/main" id="{088FEBA4-69F2-43B3-A1AA-ED58BE18F636}"/>
+              </a:ext>
+            </a:extLst>
+          </p:cNvPr>
+          <p:cNvCxnSpPr>
+            <a:cxnSpLocks/>
+          </p:cNvCxnSpPr>
+          <p:nvPr/>
+        </p:nvCxnSpPr>
+        <p:spPr>
+          <a:xfrm>
+            <a:off x="9804620" y="2612748"/>
+            <a:ext cx="1714502" cy="0"/>
+          </a:xfrm>
+          <a:prstGeom prst="straightConnector1">
+            <a:avLst/>
+          </a:prstGeom>
+          <a:ln>
+            <a:headEnd type="triangle"/>
+            <a:tailEnd type="triangle"/>
+          </a:ln>
+        </p:spPr>
+        <p:style>
+          <a:lnRef idx="1">
+            <a:schemeClr val="accent1"/>
+          </a:lnRef>
+          <a:fillRef idx="0">
+            <a:schemeClr val="accent1"/>
+          </a:fillRef>
+          <a:effectRef idx="0">
+            <a:schemeClr val="accent1"/>
+          </a:effectRef>
+          <a:fontRef idx="minor">
+            <a:schemeClr val="tx1"/>
+          </a:fontRef>
+        </p:style>
+      </p:cxnSp>
+      <p:sp>
+        <p:nvSpPr>
+          <p:cNvPr id="22" name="CuadroTexto 21">
+            <a:extLst>
+              <a:ext uri="{FF2B5EF4-FFF2-40B4-BE49-F238E27FC236}">
+                <a16:creationId xmlns:a16="http://schemas.microsoft.com/office/drawing/2014/main" id="{0027D464-5DD9-410C-B866-5E36EC5551C6}"/>
+              </a:ext>
+            </a:extLst>
+          </p:cNvPr>
+          <p:cNvSpPr txBox="1"/>
+          <p:nvPr/>
+        </p:nvSpPr>
+        <p:spPr>
+          <a:xfrm>
+            <a:off x="8838412" y="3387508"/>
+            <a:ext cx="942975" cy="367148"/>
+          </a:xfrm>
+          <a:prstGeom prst="rect">
+            <a:avLst/>
+          </a:prstGeom>
+          <a:noFill/>
+        </p:spPr>
+        <p:txBody>
+          <a:bodyPr wrap="square">
+            <a:spAutoFit/>
+          </a:bodyPr>
+          <a:lstStyle/>
+          <a:p>
+            <a:r>
+              <a:rPr lang="es-ES" sz="1800" b="0" i="0" kern="1200" dirty="0">
+                <a:solidFill>
+                  <a:schemeClr val="dk1"/>
+                </a:solidFill>
+                <a:effectLst/>
+                <a:latin typeface="+mn-lt"/>
+                <a:ea typeface="+mn-ea"/>
+                <a:cs typeface="+mn-cs"/>
+              </a:rPr>
+              <a:t>108540</a:t>
+            </a:r>
+            <a:endParaRPr lang="es-ES" dirty="0"/>
+          </a:p>
+        </p:txBody>
+      </p:sp>
+      <p:sp>
+        <p:nvSpPr>
+          <p:cNvPr id="24" name="CuadroTexto 23">
+            <a:extLst>
+              <a:ext uri="{FF2B5EF4-FFF2-40B4-BE49-F238E27FC236}">
+                <a16:creationId xmlns:a16="http://schemas.microsoft.com/office/drawing/2014/main" id="{6BDF3969-7268-4371-B7E0-E9DEACFA9923}"/>
+              </a:ext>
+            </a:extLst>
+          </p:cNvPr>
+          <p:cNvSpPr txBox="1"/>
+          <p:nvPr/>
+        </p:nvSpPr>
+        <p:spPr>
+          <a:xfrm>
+            <a:off x="10506904" y="2252838"/>
+            <a:ext cx="416201" cy="369332"/>
+          </a:xfrm>
+          <a:prstGeom prst="rect">
+            <a:avLst/>
+          </a:prstGeom>
+          <a:noFill/>
+        </p:spPr>
+        <p:txBody>
+          <a:bodyPr wrap="square">
+            <a:spAutoFit/>
+          </a:bodyPr>
+          <a:lstStyle/>
+          <a:p>
+            <a:r>
+              <a:rPr lang="es-ES" sz="1800" b="0" i="0" kern="1200" dirty="0">
+                <a:solidFill>
+                  <a:schemeClr val="dk1"/>
+                </a:solidFill>
+                <a:effectLst/>
+                <a:latin typeface="+mn-lt"/>
+                <a:ea typeface="+mn-ea"/>
+                <a:cs typeface="+mn-cs"/>
+              </a:rPr>
+              <a:t>10</a:t>
+            </a:r>
+            <a:endParaRPr lang="es-ES" dirty="0"/>
+          </a:p>
+        </p:txBody>
+      </p:sp>
+      <p:sp>
+        <p:nvSpPr>
+          <p:cNvPr id="26" name="CuadroTexto 25">
+            <a:extLst>
+              <a:ext uri="{FF2B5EF4-FFF2-40B4-BE49-F238E27FC236}">
+                <a16:creationId xmlns:a16="http://schemas.microsoft.com/office/drawing/2014/main" id="{38281E3C-5093-403E-BFE2-6C75BDF89F8D}"/>
+              </a:ext>
+            </a:extLst>
+          </p:cNvPr>
+          <p:cNvSpPr txBox="1"/>
+          <p:nvPr/>
+        </p:nvSpPr>
+        <p:spPr>
+          <a:xfrm>
+            <a:off x="10234862" y="1861804"/>
+            <a:ext cx="952499" cy="383576"/>
+          </a:xfrm>
+          <a:prstGeom prst="rect">
+            <a:avLst/>
+          </a:prstGeom>
+          <a:noFill/>
+        </p:spPr>
+        <p:txBody>
+          <a:bodyPr wrap="square">
+            <a:spAutoFit/>
+          </a:bodyPr>
+          <a:lstStyle/>
+          <a:p>
+            <a:r>
+              <a:rPr lang="es-ES" b="1" dirty="0" err="1">
+                <a:solidFill>
+                  <a:schemeClr val="tx1"/>
+                </a:solidFill>
+              </a:rPr>
+              <a:t>Dataset</a:t>
+            </a:r>
+            <a:endParaRPr lang="es-ES" b="1" dirty="0"/>
+          </a:p>
+        </p:txBody>
+      </p:sp>
+      <p:cxnSp>
+        <p:nvCxnSpPr>
+          <p:cNvPr id="19" name="Conector recto de flecha 18">
+            <a:extLst>
+              <a:ext uri="{FF2B5EF4-FFF2-40B4-BE49-F238E27FC236}">
+                <a16:creationId xmlns:a16="http://schemas.microsoft.com/office/drawing/2014/main" id="{25C3188A-97EB-4649-960D-12725F2C338B}"/>
+              </a:ext>
+            </a:extLst>
+          </p:cNvPr>
+          <p:cNvCxnSpPr>
+            <a:cxnSpLocks/>
+          </p:cNvCxnSpPr>
+          <p:nvPr/>
+        </p:nvCxnSpPr>
+        <p:spPr>
+          <a:xfrm flipV="1">
+            <a:off x="4265896" y="3942524"/>
+            <a:ext cx="411292" cy="10438"/>
+          </a:xfrm>
+          <a:prstGeom prst="straightConnector1">
+            <a:avLst/>
+          </a:prstGeom>
+          <a:ln w="19050">
+            <a:solidFill>
+              <a:schemeClr val="accent1">
+                <a:lumMod val="75000"/>
+              </a:schemeClr>
+            </a:solidFill>
+            <a:tailEnd type="triangle"/>
+          </a:ln>
+        </p:spPr>
+        <p:style>
+          <a:lnRef idx="1">
+            <a:schemeClr val="accent1"/>
+          </a:lnRef>
+          <a:fillRef idx="0">
+            <a:schemeClr val="accent1"/>
+          </a:fillRef>
+          <a:effectRef idx="0">
+            <a:schemeClr val="accent1"/>
+          </a:effectRef>
+          <a:fontRef idx="minor">
+            <a:schemeClr val="tx1"/>
+          </a:fontRef>
+        </p:style>
+      </p:cxnSp>
+    </p:spTree>
+    <p:extLst>
+      <p:ext uri="{BB962C8B-B14F-4D97-AF65-F5344CB8AC3E}">
+        <p14:creationId xmlns:p14="http://schemas.microsoft.com/office/powerpoint/2010/main" val="2532470707"/>
+      </p:ext>
+    </p:extLst>
+  </p:cSld>
+  <p:clrMapOvr>
+    <a:masterClrMapping/>
+  </p:clrMapOvr>
+</p:sld>
+</file>
+
+<file path=ppt/slides/slide4.xml><?xml version="1.0" encoding="utf-8"?>
+<p:sld xmlns:a="http://schemas.openxmlformats.org/drawingml/2006/main" xmlns:r="http://schemas.openxmlformats.org/officeDocument/2006/relationships" xmlns:p="http://schemas.openxmlformats.org/presentationml/2006/main">
+  <p:cSld>
+    <p:spTree>
+      <p:nvGrpSpPr>
+        <p:cNvPr id="1" name=""/>
+        <p:cNvGrpSpPr/>
+        <p:nvPr/>
+      </p:nvGrpSpPr>
+      <p:grpSpPr>
+        <a:xfrm>
+          <a:off x="0" y="0"/>
+          <a:ext cx="0" cy="0"/>
+          <a:chOff x="0" y="0"/>
+          <a:chExt cx="0" cy="0"/>
+        </a:xfrm>
+      </p:grpSpPr>
+      <p:sp>
+        <p:nvSpPr>
+          <p:cNvPr id="2" name="Título 1">
+            <a:extLst>
+              <a:ext uri="{FF2B5EF4-FFF2-40B4-BE49-F238E27FC236}">
+                <a16:creationId xmlns:a16="http://schemas.microsoft.com/office/drawing/2014/main" id="{E16E10AD-E1BD-4DC3-8074-6673586404B9}"/>
+              </a:ext>
+            </a:extLst>
+          </p:cNvPr>
+          <p:cNvSpPr>
+            <a:spLocks noGrp="1"/>
+          </p:cNvSpPr>
+          <p:nvPr>
+            <p:ph type="title"/>
+          </p:nvPr>
+        </p:nvSpPr>
+        <p:spPr>
+          <a:xfrm>
             <a:off x="609601" y="405913"/>
             <a:ext cx="7582422" cy="667948"/>
           </a:xfrm>
@@ -17461,7 +18028,7 @@
 </p:sld>
 </file>
 
-<file path=ppt/slides/slide4.xml><?xml version="1.0" encoding="utf-8"?>
+<file path=ppt/slides/slide5.xml><?xml version="1.0" encoding="utf-8"?>
 <p:sld xmlns:a="http://schemas.openxmlformats.org/drawingml/2006/main" xmlns:r="http://schemas.openxmlformats.org/officeDocument/2006/relationships" xmlns:p="http://schemas.openxmlformats.org/presentationml/2006/main">
   <p:cSld>
     <p:spTree>
@@ -19149,7 +19716,7 @@
 </p:sld>
 </file>
 
-<file path=ppt/slides/slide5.xml><?xml version="1.0" encoding="utf-8"?>
+<file path=ppt/slides/slide6.xml><?xml version="1.0" encoding="utf-8"?>
 <p:sld xmlns:a="http://schemas.openxmlformats.org/drawingml/2006/main" xmlns:r="http://schemas.openxmlformats.org/officeDocument/2006/relationships" xmlns:p="http://schemas.openxmlformats.org/presentationml/2006/main">
   <p:cSld>
     <p:spTree>
@@ -19691,7 +20258,7 @@
 </p:sld>
 </file>
 
-<file path=ppt/slides/slide6.xml><?xml version="1.0" encoding="utf-8"?>
+<file path=ppt/slides/slide7.xml><?xml version="1.0" encoding="utf-8"?>
 <p:sld xmlns:a="http://schemas.openxmlformats.org/drawingml/2006/main" xmlns:r="http://schemas.openxmlformats.org/officeDocument/2006/relationships" xmlns:p="http://schemas.openxmlformats.org/presentationml/2006/main">
   <p:cSld>
     <p:spTree>
@@ -19995,7 +20562,7 @@
 </p:sld>
 </file>
 
-<file path=ppt/slides/slide7.xml><?xml version="1.0" encoding="utf-8"?>
+<file path=ppt/slides/slide8.xml><?xml version="1.0" encoding="utf-8"?>
 <p:sld xmlns:a="http://schemas.openxmlformats.org/drawingml/2006/main" xmlns:r="http://schemas.openxmlformats.org/officeDocument/2006/relationships" xmlns:p="http://schemas.openxmlformats.org/presentationml/2006/main">
   <p:cSld>
     <p:spTree>
@@ -20157,7 +20724,7 @@
 </p:sld>
 </file>
 
-<file path=ppt/slides/slide8.xml><?xml version="1.0" encoding="utf-8"?>
+<file path=ppt/slides/slide9.xml><?xml version="1.0" encoding="utf-8"?>
 <p:sld xmlns:a="http://schemas.openxmlformats.org/drawingml/2006/main" xmlns:r="http://schemas.openxmlformats.org/officeDocument/2006/relationships" xmlns:p="http://schemas.openxmlformats.org/presentationml/2006/main">
   <p:cSld>
     <p:spTree>
@@ -20309,167 +20876,6 @@
     <p:extLst>
       <p:ext uri="{BB962C8B-B14F-4D97-AF65-F5344CB8AC3E}">
         <p14:creationId xmlns:p14="http://schemas.microsoft.com/office/powerpoint/2010/main" val="1565438108"/>
-      </p:ext>
-    </p:extLst>
-  </p:cSld>
-  <p:clrMapOvr>
-    <a:masterClrMapping/>
-  </p:clrMapOvr>
-</p:sld>
-</file>
-
-<file path=ppt/slides/slide9.xml><?xml version="1.0" encoding="utf-8"?>
-<p:sld xmlns:a="http://schemas.openxmlformats.org/drawingml/2006/main" xmlns:r="http://schemas.openxmlformats.org/officeDocument/2006/relationships" xmlns:p="http://schemas.openxmlformats.org/presentationml/2006/main">
-  <p:cSld>
-    <p:spTree>
-      <p:nvGrpSpPr>
-        <p:cNvPr id="1" name=""/>
-        <p:cNvGrpSpPr/>
-        <p:nvPr/>
-      </p:nvGrpSpPr>
-      <p:grpSpPr>
-        <a:xfrm>
-          <a:off x="0" y="0"/>
-          <a:ext cx="0" cy="0"/>
-          <a:chOff x="0" y="0"/>
-          <a:chExt cx="0" cy="0"/>
-        </a:xfrm>
-      </p:grpSpPr>
-      <p:pic>
-        <p:nvPicPr>
-          <p:cNvPr id="5" name="Marcador de contenido 4">
-            <a:extLst>
-              <a:ext uri="{FF2B5EF4-FFF2-40B4-BE49-F238E27FC236}">
-                <a16:creationId xmlns:a16="http://schemas.microsoft.com/office/drawing/2014/main" id="{53DD9DCA-5468-4D24-9988-F452C1B8DF1E}"/>
-              </a:ext>
-            </a:extLst>
-          </p:cNvPr>
-          <p:cNvPicPr>
-            <a:picLocks noGrp="1" noChangeAspect="1"/>
-          </p:cNvPicPr>
-          <p:nvPr>
-            <p:ph idx="1"/>
-          </p:nvPr>
-        </p:nvPicPr>
-        <p:blipFill>
-          <a:blip r:embed="rId2"/>
-          <a:stretch>
-            <a:fillRect/>
-          </a:stretch>
-        </p:blipFill>
-        <p:spPr>
-          <a:xfrm>
-            <a:off x="2029800" y="1253331"/>
-            <a:ext cx="6513149" cy="4351338"/>
-          </a:xfrm>
-        </p:spPr>
-      </p:pic>
-      <p:sp>
-        <p:nvSpPr>
-          <p:cNvPr id="6" name="Título 1">
-            <a:extLst>
-              <a:ext uri="{FF2B5EF4-FFF2-40B4-BE49-F238E27FC236}">
-                <a16:creationId xmlns:a16="http://schemas.microsoft.com/office/drawing/2014/main" id="{E62A237C-AB68-4F86-8395-E8A578F24319}"/>
-              </a:ext>
-            </a:extLst>
-          </p:cNvPr>
-          <p:cNvSpPr txBox="1">
-            <a:spLocks/>
-          </p:cNvSpPr>
-          <p:nvPr/>
-        </p:nvSpPr>
-        <p:spPr>
-          <a:xfrm>
-            <a:off x="609601" y="92763"/>
-            <a:ext cx="10515600" cy="1325563"/>
-          </a:xfrm>
-          <a:prstGeom prst="rect">
-            <a:avLst/>
-          </a:prstGeom>
-        </p:spPr>
-        <p:txBody>
-          <a:bodyPr vert="horz" lIns="91440" tIns="45720" rIns="91440" bIns="45720" rtlCol="0" anchor="ctr">
-            <a:normAutofit/>
-          </a:bodyPr>
-          <a:lstStyle>
-            <a:lvl1pPr algn="l" defTabSz="914400" rtl="0" eaLnBrk="1" latinLnBrk="0" hangingPunct="1">
-              <a:lnSpc>
-                <a:spcPct val="90000"/>
-              </a:lnSpc>
-              <a:spcBef>
-                <a:spcPct val="0"/>
-              </a:spcBef>
-              <a:buNone/>
-              <a:defRPr sz="4400" kern="1200">
-                <a:solidFill>
-                  <a:schemeClr val="tx1"/>
-                </a:solidFill>
-                <a:latin typeface="+mj-lt"/>
-                <a:ea typeface="+mj-ea"/>
-                <a:cs typeface="+mj-cs"/>
-              </a:defRPr>
-            </a:lvl1pPr>
-          </a:lstStyle>
-          <a:p>
-            <a:r>
-              <a:rPr lang="es-ES" dirty="0"/>
-              <a:t>Comparación </a:t>
-            </a:r>
-            <a:r>
-              <a:rPr lang="es-ES" dirty="0" err="1"/>
-              <a:t>price</a:t>
-            </a:r>
-            <a:r>
-              <a:rPr lang="es-ES" dirty="0"/>
-              <a:t> - </a:t>
-            </a:r>
-            <a:r>
-              <a:rPr lang="es-ES" dirty="0" err="1"/>
-              <a:t>brand</a:t>
-            </a:r>
-            <a:endParaRPr lang="es-ES" dirty="0"/>
-          </a:p>
-        </p:txBody>
-      </p:sp>
-      <p:sp>
-        <p:nvSpPr>
-          <p:cNvPr id="7" name="CuadroTexto 6">
-            <a:extLst>
-              <a:ext uri="{FF2B5EF4-FFF2-40B4-BE49-F238E27FC236}">
-                <a16:creationId xmlns:a16="http://schemas.microsoft.com/office/drawing/2014/main" id="{0AE6B44F-E4BB-4C18-9BA1-1B866C2A760A}"/>
-              </a:ext>
-            </a:extLst>
-          </p:cNvPr>
-          <p:cNvSpPr txBox="1"/>
-          <p:nvPr/>
-        </p:nvSpPr>
-        <p:spPr>
-          <a:xfrm>
-            <a:off x="557719" y="5793686"/>
-            <a:ext cx="10619363" cy="461665"/>
-          </a:xfrm>
-          <a:prstGeom prst="rect">
-            <a:avLst/>
-          </a:prstGeom>
-          <a:noFill/>
-        </p:spPr>
-        <p:txBody>
-          <a:bodyPr wrap="square">
-            <a:spAutoFit/>
-          </a:bodyPr>
-          <a:lstStyle/>
-          <a:p>
-            <a:r>
-              <a:rPr lang="es-ES" sz="2400" dirty="0"/>
-              <a:t>La marca del vehículo influye en el precio: Audi, BMW y Mercedes son las más caras</a:t>
-            </a:r>
-          </a:p>
-        </p:txBody>
-      </p:sp>
-    </p:spTree>
-    <p:extLst>
-      <p:ext uri="{BB962C8B-B14F-4D97-AF65-F5344CB8AC3E}">
-        <p14:creationId xmlns:p14="http://schemas.microsoft.com/office/powerpoint/2010/main" val="1980503787"/>
       </p:ext>
     </p:extLst>
   </p:cSld>
